--- a/docs/presentation.pptx
+++ b/docs/presentation.pptx
@@ -17,18 +17,23 @@
     <p:sldId id="262" r:id="rId12"/>
     <p:sldId id="263" r:id="rId13"/>
     <p:sldId id="264" r:id="rId14"/>
+    <p:sldId id="265" r:id="rId15"/>
+    <p:sldId id="266" r:id="rId16"/>
+    <p:sldId id="267" r:id="rId17"/>
+    <p:sldId id="268" r:id="rId18"/>
+    <p:sldId id="269" r:id="rId19"/>
   </p:sldIdLst>
   <p:sldSz cy="5143500" cx="9144000"/>
   <p:notesSz cx="6858000" cy="9144000"/>
   <p:embeddedFontLst>
     <p:embeddedFont>
       <p:font typeface="Average"/>
-      <p:regular r:id="rId15"/>
+      <p:regular r:id="rId20"/>
     </p:embeddedFont>
     <p:embeddedFont>
       <p:font typeface="Oswald"/>
-      <p:regular r:id="rId16"/>
-      <p:bold r:id="rId17"/>
+      <p:regular r:id="rId21"/>
+      <p:bold r:id="rId22"/>
     </p:embeddedFont>
   </p:embeddedFontLst>
   <p:defaultTextStyle>
@@ -804,6 +809,501 @@
 </p:notes>
 </file>
 
+<file path=ppt/notesSlides/notesSlide10.xml><?xml version="1.0" encoding="utf-8"?>
+<p:notes xmlns:a="http://schemas.openxmlformats.org/drawingml/2006/main" xmlns:r="http://schemas.openxmlformats.org/officeDocument/2006/relationships" xmlns:mc="http://schemas.openxmlformats.org/markup-compatibility/2006" xmlns:mv="urn:schemas-microsoft-com:mac:vml" xmlns:p="http://schemas.openxmlformats.org/presentationml/2006/main" xmlns:c="http://schemas.openxmlformats.org/drawingml/2006/chart" xmlns:dgm="http://schemas.openxmlformats.org/drawingml/2006/diagram" xmlns:o="urn:schemas-microsoft-com:office:office" xmlns:v="urn:schemas-microsoft-com:vml" xmlns:pvml="urn:schemas-microsoft-com:office:powerpoint" xmlns:com="http://schemas.openxmlformats.org/drawingml/2006/compatibility" xmlns:p14="http://schemas.microsoft.com/office/powerpoint/2010/main" xmlns:p15="http://schemas.microsoft.com/office/powerpoint/2012/main" xmlns:ahyp="http://schemas.microsoft.com/office/drawing/2018/hyperlinkcolor" showMasterPhAnim="0" showMasterSp="0">
+  <p:cSld>
+    <p:spTree>
+      <p:nvGrpSpPr>
+        <p:cNvPr id="113" name="Shape 113"/>
+        <p:cNvGrpSpPr/>
+        <p:nvPr/>
+      </p:nvGrpSpPr>
+      <p:grpSpPr>
+        <a:xfrm>
+          <a:off x="0" y="0"/>
+          <a:ext cx="0" cy="0"/>
+          <a:chOff x="0" y="0"/>
+          <a:chExt cx="0" cy="0"/>
+        </a:xfrm>
+      </p:grpSpPr>
+      <p:sp>
+        <p:nvSpPr>
+          <p:cNvPr id="114" name="Google Shape;114;g9f244a4acd_0_1442:notes"/>
+          <p:cNvSpPr/>
+          <p:nvPr>
+            <p:ph idx="2" type="sldImg"/>
+          </p:nvPr>
+        </p:nvSpPr>
+        <p:spPr>
+          <a:xfrm>
+            <a:off x="381300" y="685800"/>
+            <a:ext cx="6096000" cy="3429000"/>
+          </a:xfrm>
+          <a:custGeom>
+            <a:rect b="b" l="l" r="r" t="t"/>
+            <a:pathLst>
+              <a:path extrusionOk="0" h="120000" w="120000">
+                <a:moveTo>
+                  <a:pt x="0" y="0"/>
+                </a:moveTo>
+                <a:lnTo>
+                  <a:pt x="120000" y="0"/>
+                </a:lnTo>
+                <a:lnTo>
+                  <a:pt x="120000" y="120000"/>
+                </a:lnTo>
+                <a:lnTo>
+                  <a:pt x="0" y="120000"/>
+                </a:lnTo>
+                <a:close/>
+              </a:path>
+            </a:pathLst>
+          </a:custGeom>
+        </p:spPr>
+      </p:sp>
+      <p:sp>
+        <p:nvSpPr>
+          <p:cNvPr id="115" name="Google Shape;115;g9f244a4acd_0_1442:notes"/>
+          <p:cNvSpPr txBox="1"/>
+          <p:nvPr>
+            <p:ph idx="1" type="body"/>
+          </p:nvPr>
+        </p:nvSpPr>
+        <p:spPr>
+          <a:xfrm>
+            <a:off x="685800" y="4343400"/>
+            <a:ext cx="5486400" cy="4114800"/>
+          </a:xfrm>
+          <a:prstGeom prst="rect">
+            <a:avLst/>
+          </a:prstGeom>
+        </p:spPr>
+        <p:txBody>
+          <a:bodyPr anchorCtr="0" anchor="t" bIns="91425" lIns="91425" spcFirstLastPara="1" rIns="91425" wrap="square" tIns="91425">
+            <a:noAutofit/>
+          </a:bodyPr>
+          <a:lstStyle/>
+          <a:p>
+            <a:pPr indent="0" lvl="0" marL="0" rtl="0" algn="l">
+              <a:spcBef>
+                <a:spcPts val="0"/>
+              </a:spcBef>
+              <a:spcAft>
+                <a:spcPts val="0"/>
+              </a:spcAft>
+              <a:buNone/>
+            </a:pPr>
+            <a:r>
+              <a:t/>
+            </a:r>
+            <a:endParaRPr/>
+          </a:p>
+        </p:txBody>
+      </p:sp>
+    </p:spTree>
+  </p:cSld>
+  <p:clrMapOvr>
+    <a:masterClrMapping/>
+  </p:clrMapOvr>
+</p:notes>
+</file>
+
+<file path=ppt/notesSlides/notesSlide11.xml><?xml version="1.0" encoding="utf-8"?>
+<p:notes xmlns:a="http://schemas.openxmlformats.org/drawingml/2006/main" xmlns:r="http://schemas.openxmlformats.org/officeDocument/2006/relationships" xmlns:mc="http://schemas.openxmlformats.org/markup-compatibility/2006" xmlns:mv="urn:schemas-microsoft-com:mac:vml" xmlns:p="http://schemas.openxmlformats.org/presentationml/2006/main" xmlns:c="http://schemas.openxmlformats.org/drawingml/2006/chart" xmlns:dgm="http://schemas.openxmlformats.org/drawingml/2006/diagram" xmlns:o="urn:schemas-microsoft-com:office:office" xmlns:v="urn:schemas-microsoft-com:vml" xmlns:pvml="urn:schemas-microsoft-com:office:powerpoint" xmlns:com="http://schemas.openxmlformats.org/drawingml/2006/compatibility" xmlns:p14="http://schemas.microsoft.com/office/powerpoint/2010/main" xmlns:p15="http://schemas.microsoft.com/office/powerpoint/2012/main" xmlns:ahyp="http://schemas.microsoft.com/office/drawing/2018/hyperlinkcolor" showMasterPhAnim="0" showMasterSp="0">
+  <p:cSld>
+    <p:spTree>
+      <p:nvGrpSpPr>
+        <p:cNvPr id="121" name="Shape 121"/>
+        <p:cNvGrpSpPr/>
+        <p:nvPr/>
+      </p:nvGrpSpPr>
+      <p:grpSpPr>
+        <a:xfrm>
+          <a:off x="0" y="0"/>
+          <a:ext cx="0" cy="0"/>
+          <a:chOff x="0" y="0"/>
+          <a:chExt cx="0" cy="0"/>
+        </a:xfrm>
+      </p:grpSpPr>
+      <p:sp>
+        <p:nvSpPr>
+          <p:cNvPr id="122" name="Google Shape;122;g9f244a4acd_1_15:notes"/>
+          <p:cNvSpPr/>
+          <p:nvPr>
+            <p:ph idx="2" type="sldImg"/>
+          </p:nvPr>
+        </p:nvSpPr>
+        <p:spPr>
+          <a:xfrm>
+            <a:off x="381300" y="685800"/>
+            <a:ext cx="6096000" cy="3429000"/>
+          </a:xfrm>
+          <a:custGeom>
+            <a:rect b="b" l="l" r="r" t="t"/>
+            <a:pathLst>
+              <a:path extrusionOk="0" h="120000" w="120000">
+                <a:moveTo>
+                  <a:pt x="0" y="0"/>
+                </a:moveTo>
+                <a:lnTo>
+                  <a:pt x="120000" y="0"/>
+                </a:lnTo>
+                <a:lnTo>
+                  <a:pt x="120000" y="120000"/>
+                </a:lnTo>
+                <a:lnTo>
+                  <a:pt x="0" y="120000"/>
+                </a:lnTo>
+                <a:close/>
+              </a:path>
+            </a:pathLst>
+          </a:custGeom>
+        </p:spPr>
+      </p:sp>
+      <p:sp>
+        <p:nvSpPr>
+          <p:cNvPr id="123" name="Google Shape;123;g9f244a4acd_1_15:notes"/>
+          <p:cNvSpPr txBox="1"/>
+          <p:nvPr>
+            <p:ph idx="1" type="body"/>
+          </p:nvPr>
+        </p:nvSpPr>
+        <p:spPr>
+          <a:xfrm>
+            <a:off x="685800" y="4343400"/>
+            <a:ext cx="5486400" cy="4114800"/>
+          </a:xfrm>
+          <a:prstGeom prst="rect">
+            <a:avLst/>
+          </a:prstGeom>
+        </p:spPr>
+        <p:txBody>
+          <a:bodyPr anchorCtr="0" anchor="t" bIns="91425" lIns="91425" spcFirstLastPara="1" rIns="91425" wrap="square" tIns="91425">
+            <a:noAutofit/>
+          </a:bodyPr>
+          <a:lstStyle/>
+          <a:p>
+            <a:pPr indent="0" lvl="0" marL="0" rtl="0" algn="l">
+              <a:spcBef>
+                <a:spcPts val="0"/>
+              </a:spcBef>
+              <a:spcAft>
+                <a:spcPts val="0"/>
+              </a:spcAft>
+              <a:buNone/>
+            </a:pPr>
+            <a:r>
+              <a:t/>
+            </a:r>
+            <a:endParaRPr/>
+          </a:p>
+        </p:txBody>
+      </p:sp>
+    </p:spTree>
+  </p:cSld>
+  <p:clrMapOvr>
+    <a:masterClrMapping/>
+  </p:clrMapOvr>
+</p:notes>
+</file>
+
+<file path=ppt/notesSlides/notesSlide12.xml><?xml version="1.0" encoding="utf-8"?>
+<p:notes xmlns:a="http://schemas.openxmlformats.org/drawingml/2006/main" xmlns:r="http://schemas.openxmlformats.org/officeDocument/2006/relationships" xmlns:mc="http://schemas.openxmlformats.org/markup-compatibility/2006" xmlns:mv="urn:schemas-microsoft-com:mac:vml" xmlns:p="http://schemas.openxmlformats.org/presentationml/2006/main" xmlns:c="http://schemas.openxmlformats.org/drawingml/2006/chart" xmlns:dgm="http://schemas.openxmlformats.org/drawingml/2006/diagram" xmlns:o="urn:schemas-microsoft-com:office:office" xmlns:v="urn:schemas-microsoft-com:vml" xmlns:pvml="urn:schemas-microsoft-com:office:powerpoint" xmlns:com="http://schemas.openxmlformats.org/drawingml/2006/compatibility" xmlns:p14="http://schemas.microsoft.com/office/powerpoint/2010/main" xmlns:p15="http://schemas.microsoft.com/office/powerpoint/2012/main" xmlns:ahyp="http://schemas.microsoft.com/office/drawing/2018/hyperlinkcolor" showMasterPhAnim="0" showMasterSp="0">
+  <p:cSld>
+    <p:spTree>
+      <p:nvGrpSpPr>
+        <p:cNvPr id="128" name="Shape 128"/>
+        <p:cNvGrpSpPr/>
+        <p:nvPr/>
+      </p:nvGrpSpPr>
+      <p:grpSpPr>
+        <a:xfrm>
+          <a:off x="0" y="0"/>
+          <a:ext cx="0" cy="0"/>
+          <a:chOff x="0" y="0"/>
+          <a:chExt cx="0" cy="0"/>
+        </a:xfrm>
+      </p:grpSpPr>
+      <p:sp>
+        <p:nvSpPr>
+          <p:cNvPr id="129" name="Google Shape;129;g9f244a4acd_0_1450:notes"/>
+          <p:cNvSpPr/>
+          <p:nvPr>
+            <p:ph idx="2" type="sldImg"/>
+          </p:nvPr>
+        </p:nvSpPr>
+        <p:spPr>
+          <a:xfrm>
+            <a:off x="381300" y="685800"/>
+            <a:ext cx="6096000" cy="3429000"/>
+          </a:xfrm>
+          <a:custGeom>
+            <a:rect b="b" l="l" r="r" t="t"/>
+            <a:pathLst>
+              <a:path extrusionOk="0" h="120000" w="120000">
+                <a:moveTo>
+                  <a:pt x="0" y="0"/>
+                </a:moveTo>
+                <a:lnTo>
+                  <a:pt x="120000" y="0"/>
+                </a:lnTo>
+                <a:lnTo>
+                  <a:pt x="120000" y="120000"/>
+                </a:lnTo>
+                <a:lnTo>
+                  <a:pt x="0" y="120000"/>
+                </a:lnTo>
+                <a:close/>
+              </a:path>
+            </a:pathLst>
+          </a:custGeom>
+        </p:spPr>
+      </p:sp>
+      <p:sp>
+        <p:nvSpPr>
+          <p:cNvPr id="130" name="Google Shape;130;g9f244a4acd_0_1450:notes"/>
+          <p:cNvSpPr txBox="1"/>
+          <p:nvPr>
+            <p:ph idx="1" type="body"/>
+          </p:nvPr>
+        </p:nvSpPr>
+        <p:spPr>
+          <a:xfrm>
+            <a:off x="685800" y="4343400"/>
+            <a:ext cx="5486400" cy="4114800"/>
+          </a:xfrm>
+          <a:prstGeom prst="rect">
+            <a:avLst/>
+          </a:prstGeom>
+        </p:spPr>
+        <p:txBody>
+          <a:bodyPr anchorCtr="0" anchor="t" bIns="91425" lIns="91425" spcFirstLastPara="1" rIns="91425" wrap="square" tIns="91425">
+            <a:noAutofit/>
+          </a:bodyPr>
+          <a:lstStyle/>
+          <a:p>
+            <a:pPr indent="0" lvl="0" marL="0" rtl="0" algn="l">
+              <a:spcBef>
+                <a:spcPts val="0"/>
+              </a:spcBef>
+              <a:spcAft>
+                <a:spcPts val="0"/>
+              </a:spcAft>
+              <a:buNone/>
+            </a:pPr>
+            <a:r>
+              <a:t/>
+            </a:r>
+            <a:endParaRPr/>
+          </a:p>
+        </p:txBody>
+      </p:sp>
+    </p:spTree>
+  </p:cSld>
+  <p:clrMapOvr>
+    <a:masterClrMapping/>
+  </p:clrMapOvr>
+</p:notes>
+</file>
+
+<file path=ppt/notesSlides/notesSlide13.xml><?xml version="1.0" encoding="utf-8"?>
+<p:notes xmlns:a="http://schemas.openxmlformats.org/drawingml/2006/main" xmlns:r="http://schemas.openxmlformats.org/officeDocument/2006/relationships" xmlns:mc="http://schemas.openxmlformats.org/markup-compatibility/2006" xmlns:mv="urn:schemas-microsoft-com:mac:vml" xmlns:p="http://schemas.openxmlformats.org/presentationml/2006/main" xmlns:c="http://schemas.openxmlformats.org/drawingml/2006/chart" xmlns:dgm="http://schemas.openxmlformats.org/drawingml/2006/diagram" xmlns:o="urn:schemas-microsoft-com:office:office" xmlns:v="urn:schemas-microsoft-com:vml" xmlns:pvml="urn:schemas-microsoft-com:office:powerpoint" xmlns:com="http://schemas.openxmlformats.org/drawingml/2006/compatibility" xmlns:p14="http://schemas.microsoft.com/office/powerpoint/2010/main" xmlns:p15="http://schemas.microsoft.com/office/powerpoint/2012/main" xmlns:ahyp="http://schemas.microsoft.com/office/drawing/2018/hyperlinkcolor" showMasterPhAnim="0" showMasterSp="0">
+  <p:cSld>
+    <p:spTree>
+      <p:nvGrpSpPr>
+        <p:cNvPr id="138" name="Shape 138"/>
+        <p:cNvGrpSpPr/>
+        <p:nvPr/>
+      </p:nvGrpSpPr>
+      <p:grpSpPr>
+        <a:xfrm>
+          <a:off x="0" y="0"/>
+          <a:ext cx="0" cy="0"/>
+          <a:chOff x="0" y="0"/>
+          <a:chExt cx="0" cy="0"/>
+        </a:xfrm>
+      </p:grpSpPr>
+      <p:sp>
+        <p:nvSpPr>
+          <p:cNvPr id="139" name="Google Shape;139;g9f244a4acd_1_23:notes"/>
+          <p:cNvSpPr/>
+          <p:nvPr>
+            <p:ph idx="2" type="sldImg"/>
+          </p:nvPr>
+        </p:nvSpPr>
+        <p:spPr>
+          <a:xfrm>
+            <a:off x="381300" y="685800"/>
+            <a:ext cx="6096000" cy="3429000"/>
+          </a:xfrm>
+          <a:custGeom>
+            <a:rect b="b" l="l" r="r" t="t"/>
+            <a:pathLst>
+              <a:path extrusionOk="0" h="120000" w="120000">
+                <a:moveTo>
+                  <a:pt x="0" y="0"/>
+                </a:moveTo>
+                <a:lnTo>
+                  <a:pt x="120000" y="0"/>
+                </a:lnTo>
+                <a:lnTo>
+                  <a:pt x="120000" y="120000"/>
+                </a:lnTo>
+                <a:lnTo>
+                  <a:pt x="0" y="120000"/>
+                </a:lnTo>
+                <a:close/>
+              </a:path>
+            </a:pathLst>
+          </a:custGeom>
+        </p:spPr>
+      </p:sp>
+      <p:sp>
+        <p:nvSpPr>
+          <p:cNvPr id="140" name="Google Shape;140;g9f244a4acd_1_23:notes"/>
+          <p:cNvSpPr txBox="1"/>
+          <p:nvPr>
+            <p:ph idx="1" type="body"/>
+          </p:nvPr>
+        </p:nvSpPr>
+        <p:spPr>
+          <a:xfrm>
+            <a:off x="685800" y="4343400"/>
+            <a:ext cx="5486400" cy="4114800"/>
+          </a:xfrm>
+          <a:prstGeom prst="rect">
+            <a:avLst/>
+          </a:prstGeom>
+        </p:spPr>
+        <p:txBody>
+          <a:bodyPr anchorCtr="0" anchor="t" bIns="91425" lIns="91425" spcFirstLastPara="1" rIns="91425" wrap="square" tIns="91425">
+            <a:noAutofit/>
+          </a:bodyPr>
+          <a:lstStyle/>
+          <a:p>
+            <a:pPr indent="0" lvl="0" marL="0" rtl="0" algn="l">
+              <a:spcBef>
+                <a:spcPts val="0"/>
+              </a:spcBef>
+              <a:spcAft>
+                <a:spcPts val="0"/>
+              </a:spcAft>
+              <a:buNone/>
+            </a:pPr>
+            <a:r>
+              <a:t/>
+            </a:r>
+            <a:endParaRPr/>
+          </a:p>
+        </p:txBody>
+      </p:sp>
+    </p:spTree>
+  </p:cSld>
+  <p:clrMapOvr>
+    <a:masterClrMapping/>
+  </p:clrMapOvr>
+</p:notes>
+</file>
+
+<file path=ppt/notesSlides/notesSlide14.xml><?xml version="1.0" encoding="utf-8"?>
+<p:notes xmlns:a="http://schemas.openxmlformats.org/drawingml/2006/main" xmlns:r="http://schemas.openxmlformats.org/officeDocument/2006/relationships" xmlns:mc="http://schemas.openxmlformats.org/markup-compatibility/2006" xmlns:mv="urn:schemas-microsoft-com:mac:vml" xmlns:p="http://schemas.openxmlformats.org/presentationml/2006/main" xmlns:c="http://schemas.openxmlformats.org/drawingml/2006/chart" xmlns:dgm="http://schemas.openxmlformats.org/drawingml/2006/diagram" xmlns:o="urn:schemas-microsoft-com:office:office" xmlns:v="urn:schemas-microsoft-com:vml" xmlns:pvml="urn:schemas-microsoft-com:office:powerpoint" xmlns:com="http://schemas.openxmlformats.org/drawingml/2006/compatibility" xmlns:p14="http://schemas.microsoft.com/office/powerpoint/2010/main" xmlns:p15="http://schemas.microsoft.com/office/powerpoint/2012/main" xmlns:ahyp="http://schemas.microsoft.com/office/drawing/2018/hyperlinkcolor" showMasterPhAnim="0" showMasterSp="0">
+  <p:cSld>
+    <p:spTree>
+      <p:nvGrpSpPr>
+        <p:cNvPr id="145" name="Shape 145"/>
+        <p:cNvGrpSpPr/>
+        <p:nvPr/>
+      </p:nvGrpSpPr>
+      <p:grpSpPr>
+        <a:xfrm>
+          <a:off x="0" y="0"/>
+          <a:ext cx="0" cy="0"/>
+          <a:chOff x="0" y="0"/>
+          <a:chExt cx="0" cy="0"/>
+        </a:xfrm>
+      </p:grpSpPr>
+      <p:sp>
+        <p:nvSpPr>
+          <p:cNvPr id="146" name="Google Shape;146;gc6f9e470d_0_126:notes"/>
+          <p:cNvSpPr/>
+          <p:nvPr>
+            <p:ph idx="2" type="sldImg"/>
+          </p:nvPr>
+        </p:nvSpPr>
+        <p:spPr>
+          <a:xfrm>
+            <a:off x="381188" y="685800"/>
+            <a:ext cx="6096300" cy="3429000"/>
+          </a:xfrm>
+          <a:custGeom>
+            <a:rect b="b" l="l" r="r" t="t"/>
+            <a:pathLst>
+              <a:path extrusionOk="0" h="120000" w="120000">
+                <a:moveTo>
+                  <a:pt x="0" y="0"/>
+                </a:moveTo>
+                <a:lnTo>
+                  <a:pt x="120000" y="0"/>
+                </a:lnTo>
+                <a:lnTo>
+                  <a:pt x="120000" y="120000"/>
+                </a:lnTo>
+                <a:lnTo>
+                  <a:pt x="0" y="120000"/>
+                </a:lnTo>
+                <a:close/>
+              </a:path>
+            </a:pathLst>
+          </a:custGeom>
+        </p:spPr>
+      </p:sp>
+      <p:sp>
+        <p:nvSpPr>
+          <p:cNvPr id="147" name="Google Shape;147;gc6f9e470d_0_126:notes"/>
+          <p:cNvSpPr txBox="1"/>
+          <p:nvPr>
+            <p:ph idx="1" type="body"/>
+          </p:nvPr>
+        </p:nvSpPr>
+        <p:spPr>
+          <a:xfrm>
+            <a:off x="685800" y="4343400"/>
+            <a:ext cx="5486400" cy="4114800"/>
+          </a:xfrm>
+          <a:prstGeom prst="rect">
+            <a:avLst/>
+          </a:prstGeom>
+        </p:spPr>
+        <p:txBody>
+          <a:bodyPr anchorCtr="0" anchor="t" bIns="91425" lIns="91425" spcFirstLastPara="1" rIns="91425" wrap="square" tIns="91425">
+            <a:noAutofit/>
+          </a:bodyPr>
+          <a:lstStyle/>
+          <a:p>
+            <a:pPr indent="0" lvl="0" marL="0" rtl="0" algn="l">
+              <a:spcBef>
+                <a:spcPts val="0"/>
+              </a:spcBef>
+              <a:spcAft>
+                <a:spcPts val="0"/>
+              </a:spcAft>
+              <a:buNone/>
+            </a:pPr>
+            <a:r>
+              <a:t/>
+            </a:r>
+            <a:endParaRPr/>
+          </a:p>
+        </p:txBody>
+      </p:sp>
+    </p:spTree>
+  </p:cSld>
+  <p:clrMapOvr>
+    <a:masterClrMapping/>
+  </p:clrMapOvr>
+</p:notes>
+</file>
+
 <file path=ppt/notesSlides/notesSlide2.xml><?xml version="1.0" encoding="utf-8"?>
 <p:notes xmlns:a="http://schemas.openxmlformats.org/drawingml/2006/main" xmlns:r="http://schemas.openxmlformats.org/officeDocument/2006/relationships" xmlns:mc="http://schemas.openxmlformats.org/markup-compatibility/2006" xmlns:mv="urn:schemas-microsoft-com:mac:vml" xmlns:p="http://schemas.openxmlformats.org/presentationml/2006/main" xmlns:c="http://schemas.openxmlformats.org/drawingml/2006/chart" xmlns:dgm="http://schemas.openxmlformats.org/drawingml/2006/diagram" xmlns:o="urn:schemas-microsoft-com:office:office" xmlns:v="urn:schemas-microsoft-com:vml" xmlns:pvml="urn:schemas-microsoft-com:office:powerpoint" xmlns:com="http://schemas.openxmlformats.org/drawingml/2006/compatibility" xmlns:p14="http://schemas.microsoft.com/office/powerpoint/2010/main" xmlns:p15="http://schemas.microsoft.com/office/powerpoint/2012/main" xmlns:ahyp="http://schemas.microsoft.com/office/drawing/2018/hyperlinkcolor" showMasterPhAnim="0" showMasterSp="0">
   <p:cSld>
@@ -1021,7 +1521,7 @@
       </p:grpSpPr>
       <p:sp>
         <p:nvSpPr>
-          <p:cNvPr id="82" name="Google Shape;82;gc6f9e470d_0_43:notes"/>
+          <p:cNvPr id="82" name="Google Shape;82;g9f244a4acd_1_33:notes"/>
           <p:cNvSpPr/>
           <p:nvPr>
             <p:ph idx="2" type="sldImg"/>
@@ -1029,8 +1529,8 @@
         </p:nvSpPr>
         <p:spPr>
           <a:xfrm>
-            <a:off x="381188" y="685800"/>
-            <a:ext cx="6096300" cy="3429000"/>
+            <a:off x="381300" y="685800"/>
+            <a:ext cx="6096000" cy="3429000"/>
           </a:xfrm>
           <a:custGeom>
             <a:rect b="b" l="l" r="r" t="t"/>
@@ -1056,7 +1556,7 @@
       </p:sp>
       <p:sp>
         <p:nvSpPr>
-          <p:cNvPr id="83" name="Google Shape;83;gc6f9e470d_0_43:notes"/>
+          <p:cNvPr id="83" name="Google Shape;83;g9f244a4acd_1_33:notes"/>
           <p:cNvSpPr txBox="1"/>
           <p:nvPr>
             <p:ph idx="1" type="body"/>
@@ -1120,7 +1620,7 @@
       </p:grpSpPr>
       <p:sp>
         <p:nvSpPr>
-          <p:cNvPr id="87" name="Google Shape;87;g9f244a4acd_0_1456:notes"/>
+          <p:cNvPr id="87" name="Google Shape;87;g9f244a4acd_1_0:notes"/>
           <p:cNvSpPr/>
           <p:nvPr>
             <p:ph idx="2" type="sldImg"/>
@@ -1155,7 +1655,7 @@
       </p:sp>
       <p:sp>
         <p:nvSpPr>
-          <p:cNvPr id="88" name="Google Shape;88;g9f244a4acd_0_1456:notes"/>
+          <p:cNvPr id="88" name="Google Shape;88;g9f244a4acd_1_0:notes"/>
           <p:cNvSpPr txBox="1"/>
           <p:nvPr>
             <p:ph idx="1" type="body"/>
@@ -1205,7 +1705,7 @@
   <p:cSld>
     <p:spTree>
       <p:nvGrpSpPr>
-        <p:cNvPr id="91" name="Shape 91"/>
+        <p:cNvPr id="93" name="Shape 93"/>
         <p:cNvGrpSpPr/>
         <p:nvPr/>
       </p:nvGrpSpPr>
@@ -1219,7 +1719,106 @@
       </p:grpSpPr>
       <p:sp>
         <p:nvSpPr>
-          <p:cNvPr id="92" name="Google Shape;92;g9f244a4acd_0_1460:notes"/>
+          <p:cNvPr id="94" name="Google Shape;94;gc6f9e470d_0_43:notes"/>
+          <p:cNvSpPr/>
+          <p:nvPr>
+            <p:ph idx="2" type="sldImg"/>
+          </p:nvPr>
+        </p:nvSpPr>
+        <p:spPr>
+          <a:xfrm>
+            <a:off x="381188" y="685800"/>
+            <a:ext cx="6096300" cy="3429000"/>
+          </a:xfrm>
+          <a:custGeom>
+            <a:rect b="b" l="l" r="r" t="t"/>
+            <a:pathLst>
+              <a:path extrusionOk="0" h="120000" w="120000">
+                <a:moveTo>
+                  <a:pt x="0" y="0"/>
+                </a:moveTo>
+                <a:lnTo>
+                  <a:pt x="120000" y="0"/>
+                </a:lnTo>
+                <a:lnTo>
+                  <a:pt x="120000" y="120000"/>
+                </a:lnTo>
+                <a:lnTo>
+                  <a:pt x="0" y="120000"/>
+                </a:lnTo>
+                <a:close/>
+              </a:path>
+            </a:pathLst>
+          </a:custGeom>
+        </p:spPr>
+      </p:sp>
+      <p:sp>
+        <p:nvSpPr>
+          <p:cNvPr id="95" name="Google Shape;95;gc6f9e470d_0_43:notes"/>
+          <p:cNvSpPr txBox="1"/>
+          <p:nvPr>
+            <p:ph idx="1" type="body"/>
+          </p:nvPr>
+        </p:nvSpPr>
+        <p:spPr>
+          <a:xfrm>
+            <a:off x="685800" y="4343400"/>
+            <a:ext cx="5486400" cy="4114800"/>
+          </a:xfrm>
+          <a:prstGeom prst="rect">
+            <a:avLst/>
+          </a:prstGeom>
+        </p:spPr>
+        <p:txBody>
+          <a:bodyPr anchorCtr="0" anchor="t" bIns="91425" lIns="91425" spcFirstLastPara="1" rIns="91425" wrap="square" tIns="91425">
+            <a:noAutofit/>
+          </a:bodyPr>
+          <a:lstStyle/>
+          <a:p>
+            <a:pPr indent="0" lvl="0" marL="0" rtl="0" algn="l">
+              <a:spcBef>
+                <a:spcPts val="0"/>
+              </a:spcBef>
+              <a:spcAft>
+                <a:spcPts val="0"/>
+              </a:spcAft>
+              <a:buNone/>
+            </a:pPr>
+            <a:r>
+              <a:t/>
+            </a:r>
+            <a:endParaRPr/>
+          </a:p>
+        </p:txBody>
+      </p:sp>
+    </p:spTree>
+  </p:cSld>
+  <p:clrMapOvr>
+    <a:masterClrMapping/>
+  </p:clrMapOvr>
+</p:notes>
+</file>
+
+<file path=ppt/notesSlides/notesSlide7.xml><?xml version="1.0" encoding="utf-8"?>
+<p:notes xmlns:a="http://schemas.openxmlformats.org/drawingml/2006/main" xmlns:r="http://schemas.openxmlformats.org/officeDocument/2006/relationships" xmlns:mc="http://schemas.openxmlformats.org/markup-compatibility/2006" xmlns:mv="urn:schemas-microsoft-com:mac:vml" xmlns:p="http://schemas.openxmlformats.org/presentationml/2006/main" xmlns:c="http://schemas.openxmlformats.org/drawingml/2006/chart" xmlns:dgm="http://schemas.openxmlformats.org/drawingml/2006/diagram" xmlns:o="urn:schemas-microsoft-com:office:office" xmlns:v="urn:schemas-microsoft-com:vml" xmlns:pvml="urn:schemas-microsoft-com:office:powerpoint" xmlns:com="http://schemas.openxmlformats.org/drawingml/2006/compatibility" xmlns:p14="http://schemas.microsoft.com/office/powerpoint/2010/main" xmlns:p15="http://schemas.microsoft.com/office/powerpoint/2012/main" xmlns:ahyp="http://schemas.microsoft.com/office/drawing/2018/hyperlinkcolor" showMasterPhAnim="0" showMasterSp="0">
+  <p:cSld>
+    <p:spTree>
+      <p:nvGrpSpPr>
+        <p:cNvPr id="98" name="Shape 98"/>
+        <p:cNvGrpSpPr/>
+        <p:nvPr/>
+      </p:nvGrpSpPr>
+      <p:grpSpPr>
+        <a:xfrm>
+          <a:off x="0" y="0"/>
+          <a:ext cx="0" cy="0"/>
+          <a:chOff x="0" y="0"/>
+          <a:chExt cx="0" cy="0"/>
+        </a:xfrm>
+      </p:grpSpPr>
+      <p:sp>
+        <p:nvSpPr>
+          <p:cNvPr id="99" name="Google Shape;99;g9f244a4acd_0_1456:notes"/>
           <p:cNvSpPr/>
           <p:nvPr>
             <p:ph idx="2" type="sldImg"/>
@@ -1254,7 +1853,7 @@
       </p:sp>
       <p:sp>
         <p:nvSpPr>
-          <p:cNvPr id="93" name="Google Shape;93;g9f244a4acd_0_1460:notes"/>
+          <p:cNvPr id="100" name="Google Shape;100;g9f244a4acd_0_1456:notes"/>
           <p:cNvSpPr txBox="1"/>
           <p:nvPr>
             <p:ph idx="1" type="body"/>
@@ -1299,12 +1898,12 @@
 </p:notes>
 </file>
 
-<file path=ppt/notesSlides/notesSlide7.xml><?xml version="1.0" encoding="utf-8"?>
+<file path=ppt/notesSlides/notesSlide8.xml><?xml version="1.0" encoding="utf-8"?>
 <p:notes xmlns:a="http://schemas.openxmlformats.org/drawingml/2006/main" xmlns:r="http://schemas.openxmlformats.org/officeDocument/2006/relationships" xmlns:mc="http://schemas.openxmlformats.org/markup-compatibility/2006" xmlns:mv="urn:schemas-microsoft-com:mac:vml" xmlns:p="http://schemas.openxmlformats.org/presentationml/2006/main" xmlns:c="http://schemas.openxmlformats.org/drawingml/2006/chart" xmlns:dgm="http://schemas.openxmlformats.org/drawingml/2006/diagram" xmlns:o="urn:schemas-microsoft-com:office:office" xmlns:v="urn:schemas-microsoft-com:vml" xmlns:pvml="urn:schemas-microsoft-com:office:powerpoint" xmlns:com="http://schemas.openxmlformats.org/drawingml/2006/compatibility" xmlns:p14="http://schemas.microsoft.com/office/powerpoint/2010/main" xmlns:p15="http://schemas.microsoft.com/office/powerpoint/2012/main" xmlns:ahyp="http://schemas.microsoft.com/office/drawing/2018/hyperlinkcolor" showMasterPhAnim="0" showMasterSp="0">
   <p:cSld>
     <p:spTree>
       <p:nvGrpSpPr>
-        <p:cNvPr id="96" name="Shape 96"/>
+        <p:cNvPr id="103" name="Shape 103"/>
         <p:cNvGrpSpPr/>
         <p:nvPr/>
       </p:nvGrpSpPr>
@@ -1318,7 +1917,7 @@
       </p:grpSpPr>
       <p:sp>
         <p:nvSpPr>
-          <p:cNvPr id="97" name="Google Shape;97;g9f244a4acd_0_1442:notes"/>
+          <p:cNvPr id="104" name="Google Shape;104;g9f244a4acd_0_1460:notes"/>
           <p:cNvSpPr/>
           <p:nvPr>
             <p:ph idx="2" type="sldImg"/>
@@ -1353,7 +1952,7 @@
       </p:sp>
       <p:sp>
         <p:nvSpPr>
-          <p:cNvPr id="98" name="Google Shape;98;g9f244a4acd_0_1442:notes"/>
+          <p:cNvPr id="105" name="Google Shape;105;g9f244a4acd_0_1460:notes"/>
           <p:cNvSpPr txBox="1"/>
           <p:nvPr>
             <p:ph idx="1" type="body"/>
@@ -1398,12 +1997,12 @@
 </p:notes>
 </file>
 
-<file path=ppt/notesSlides/notesSlide8.xml><?xml version="1.0" encoding="utf-8"?>
+<file path=ppt/notesSlides/notesSlide9.xml><?xml version="1.0" encoding="utf-8"?>
 <p:notes xmlns:a="http://schemas.openxmlformats.org/drawingml/2006/main" xmlns:r="http://schemas.openxmlformats.org/officeDocument/2006/relationships" xmlns:mc="http://schemas.openxmlformats.org/markup-compatibility/2006" xmlns:mv="urn:schemas-microsoft-com:mac:vml" xmlns:p="http://schemas.openxmlformats.org/presentationml/2006/main" xmlns:c="http://schemas.openxmlformats.org/drawingml/2006/chart" xmlns:dgm="http://schemas.openxmlformats.org/drawingml/2006/diagram" xmlns:o="urn:schemas-microsoft-com:office:office" xmlns:v="urn:schemas-microsoft-com:vml" xmlns:pvml="urn:schemas-microsoft-com:office:powerpoint" xmlns:com="http://schemas.openxmlformats.org/drawingml/2006/compatibility" xmlns:p14="http://schemas.microsoft.com/office/powerpoint/2010/main" xmlns:p15="http://schemas.microsoft.com/office/powerpoint/2012/main" xmlns:ahyp="http://schemas.microsoft.com/office/drawing/2018/hyperlinkcolor" showMasterPhAnim="0" showMasterSp="0">
   <p:cSld>
     <p:spTree>
       <p:nvGrpSpPr>
-        <p:cNvPr id="104" name="Shape 104"/>
+        <p:cNvPr id="108" name="Shape 108"/>
         <p:cNvGrpSpPr/>
         <p:nvPr/>
       </p:nvGrpSpPr>
@@ -1417,7 +2016,7 @@
       </p:grpSpPr>
       <p:sp>
         <p:nvSpPr>
-          <p:cNvPr id="105" name="Google Shape;105;g9f244a4acd_0_1450:notes"/>
+          <p:cNvPr id="109" name="Google Shape;109;g9f244a4acd_1_5:notes"/>
           <p:cNvSpPr/>
           <p:nvPr>
             <p:ph idx="2" type="sldImg"/>
@@ -1452,106 +2051,7 @@
       </p:sp>
       <p:sp>
         <p:nvSpPr>
-          <p:cNvPr id="106" name="Google Shape;106;g9f244a4acd_0_1450:notes"/>
-          <p:cNvSpPr txBox="1"/>
-          <p:nvPr>
-            <p:ph idx="1" type="body"/>
-          </p:nvPr>
-        </p:nvSpPr>
-        <p:spPr>
-          <a:xfrm>
-            <a:off x="685800" y="4343400"/>
-            <a:ext cx="5486400" cy="4114800"/>
-          </a:xfrm>
-          <a:prstGeom prst="rect">
-            <a:avLst/>
-          </a:prstGeom>
-        </p:spPr>
-        <p:txBody>
-          <a:bodyPr anchorCtr="0" anchor="t" bIns="91425" lIns="91425" spcFirstLastPara="1" rIns="91425" wrap="square" tIns="91425">
-            <a:noAutofit/>
-          </a:bodyPr>
-          <a:lstStyle/>
-          <a:p>
-            <a:pPr indent="0" lvl="0" marL="0" rtl="0" algn="l">
-              <a:spcBef>
-                <a:spcPts val="0"/>
-              </a:spcBef>
-              <a:spcAft>
-                <a:spcPts val="0"/>
-              </a:spcAft>
-              <a:buNone/>
-            </a:pPr>
-            <a:r>
-              <a:t/>
-            </a:r>
-            <a:endParaRPr/>
-          </a:p>
-        </p:txBody>
-      </p:sp>
-    </p:spTree>
-  </p:cSld>
-  <p:clrMapOvr>
-    <a:masterClrMapping/>
-  </p:clrMapOvr>
-</p:notes>
-</file>
-
-<file path=ppt/notesSlides/notesSlide9.xml><?xml version="1.0" encoding="utf-8"?>
-<p:notes xmlns:a="http://schemas.openxmlformats.org/drawingml/2006/main" xmlns:r="http://schemas.openxmlformats.org/officeDocument/2006/relationships" xmlns:mc="http://schemas.openxmlformats.org/markup-compatibility/2006" xmlns:mv="urn:schemas-microsoft-com:mac:vml" xmlns:p="http://schemas.openxmlformats.org/presentationml/2006/main" xmlns:c="http://schemas.openxmlformats.org/drawingml/2006/chart" xmlns:dgm="http://schemas.openxmlformats.org/drawingml/2006/diagram" xmlns:o="urn:schemas-microsoft-com:office:office" xmlns:v="urn:schemas-microsoft-com:vml" xmlns:pvml="urn:schemas-microsoft-com:office:powerpoint" xmlns:com="http://schemas.openxmlformats.org/drawingml/2006/compatibility" xmlns:p14="http://schemas.microsoft.com/office/powerpoint/2010/main" xmlns:p15="http://schemas.microsoft.com/office/powerpoint/2012/main" xmlns:ahyp="http://schemas.microsoft.com/office/drawing/2018/hyperlinkcolor" showMasterPhAnim="0" showMasterSp="0">
-  <p:cSld>
-    <p:spTree>
-      <p:nvGrpSpPr>
-        <p:cNvPr id="114" name="Shape 114"/>
-        <p:cNvGrpSpPr/>
-        <p:nvPr/>
-      </p:nvGrpSpPr>
-      <p:grpSpPr>
-        <a:xfrm>
-          <a:off x="0" y="0"/>
-          <a:ext cx="0" cy="0"/>
-          <a:chOff x="0" y="0"/>
-          <a:chExt cx="0" cy="0"/>
-        </a:xfrm>
-      </p:grpSpPr>
-      <p:sp>
-        <p:nvSpPr>
-          <p:cNvPr id="115" name="Google Shape;115;gc6f9e470d_0_126:notes"/>
-          <p:cNvSpPr/>
-          <p:nvPr>
-            <p:ph idx="2" type="sldImg"/>
-          </p:nvPr>
-        </p:nvSpPr>
-        <p:spPr>
-          <a:xfrm>
-            <a:off x="381188" y="685800"/>
-            <a:ext cx="6096300" cy="3429000"/>
-          </a:xfrm>
-          <a:custGeom>
-            <a:rect b="b" l="l" r="r" t="t"/>
-            <a:pathLst>
-              <a:path extrusionOk="0" h="120000" w="120000">
-                <a:moveTo>
-                  <a:pt x="0" y="0"/>
-                </a:moveTo>
-                <a:lnTo>
-                  <a:pt x="120000" y="0"/>
-                </a:lnTo>
-                <a:lnTo>
-                  <a:pt x="120000" y="120000"/>
-                </a:lnTo>
-                <a:lnTo>
-                  <a:pt x="0" y="120000"/>
-                </a:lnTo>
-                <a:close/>
-              </a:path>
-            </a:pathLst>
-          </a:custGeom>
-        </p:spPr>
-      </p:sp>
-      <p:sp>
-        <p:nvSpPr>
-          <p:cNvPr id="116" name="Google Shape;116;gc6f9e470d_0_126:notes"/>
+          <p:cNvPr id="110" name="Google Shape;110;g9f244a4acd_1_5:notes"/>
           <p:cNvSpPr txBox="1"/>
           <p:nvPr>
             <p:ph idx="1" type="body"/>
@@ -6926,6 +7426,1655 @@
 </p:sld>
 </file>
 
+<file path=ppt/slides/slide10.xml><?xml version="1.0" encoding="utf-8"?>
+<p:sld xmlns:a="http://schemas.openxmlformats.org/drawingml/2006/main" xmlns:r="http://schemas.openxmlformats.org/officeDocument/2006/relationships" xmlns:mc="http://schemas.openxmlformats.org/markup-compatibility/2006" xmlns:mv="urn:schemas-microsoft-com:mac:vml" xmlns:p="http://schemas.openxmlformats.org/presentationml/2006/main" xmlns:c="http://schemas.openxmlformats.org/drawingml/2006/chart" xmlns:dgm="http://schemas.openxmlformats.org/drawingml/2006/diagram" xmlns:o="urn:schemas-microsoft-com:office:office" xmlns:v="urn:schemas-microsoft-com:vml" xmlns:pvml="urn:schemas-microsoft-com:office:powerpoint" xmlns:com="http://schemas.openxmlformats.org/drawingml/2006/compatibility" xmlns:p14="http://schemas.microsoft.com/office/powerpoint/2010/main" xmlns:p15="http://schemas.microsoft.com/office/powerpoint/2012/main" xmlns:ahyp="http://schemas.microsoft.com/office/drawing/2018/hyperlinkcolor">
+  <p:cSld>
+    <p:spTree>
+      <p:nvGrpSpPr>
+        <p:cNvPr id="116" name="Shape 116"/>
+        <p:cNvGrpSpPr/>
+        <p:nvPr/>
+      </p:nvGrpSpPr>
+      <p:grpSpPr>
+        <a:xfrm>
+          <a:off x="0" y="0"/>
+          <a:ext cx="0" cy="0"/>
+          <a:chOff x="0" y="0"/>
+          <a:chExt cx="0" cy="0"/>
+        </a:xfrm>
+      </p:grpSpPr>
+      <p:sp>
+        <p:nvSpPr>
+          <p:cNvPr id="117" name="Google Shape;117;p22"/>
+          <p:cNvSpPr txBox="1"/>
+          <p:nvPr>
+            <p:ph type="title"/>
+          </p:nvPr>
+        </p:nvSpPr>
+        <p:spPr>
+          <a:xfrm>
+            <a:off x="265500" y="1081400"/>
+            <a:ext cx="4045200" cy="1710300"/>
+          </a:xfrm>
+          <a:prstGeom prst="rect">
+            <a:avLst/>
+          </a:prstGeom>
+        </p:spPr>
+        <p:txBody>
+          <a:bodyPr anchorCtr="0" anchor="b" bIns="91425" lIns="91425" spcFirstLastPara="1" rIns="91425" wrap="square" tIns="91425">
+            <a:noAutofit/>
+          </a:bodyPr>
+          <a:lstStyle/>
+          <a:p>
+            <a:pPr indent="0" lvl="0" marL="0" rtl="0" algn="l">
+              <a:spcBef>
+                <a:spcPts val="0"/>
+              </a:spcBef>
+              <a:spcAft>
+                <a:spcPts val="0"/>
+              </a:spcAft>
+              <a:buNone/>
+            </a:pPr>
+            <a:r>
+              <a:rPr lang="en" sz="3000"/>
+              <a:t>Hypothesis:</a:t>
+            </a:r>
+            <a:endParaRPr/>
+          </a:p>
+        </p:txBody>
+      </p:sp>
+      <p:sp>
+        <p:nvSpPr>
+          <p:cNvPr id="118" name="Google Shape;118;p22"/>
+          <p:cNvSpPr txBox="1"/>
+          <p:nvPr>
+            <p:ph idx="1" type="subTitle"/>
+          </p:nvPr>
+        </p:nvSpPr>
+        <p:spPr>
+          <a:xfrm>
+            <a:off x="265500" y="2845201"/>
+            <a:ext cx="4045200" cy="1345500"/>
+          </a:xfrm>
+          <a:prstGeom prst="rect">
+            <a:avLst/>
+          </a:prstGeom>
+        </p:spPr>
+        <p:txBody>
+          <a:bodyPr anchorCtr="0" anchor="t" bIns="91425" lIns="91425" spcFirstLastPara="1" rIns="91425" wrap="square" tIns="91425">
+            <a:noAutofit/>
+          </a:bodyPr>
+          <a:lstStyle/>
+          <a:p>
+            <a:pPr indent="0" lvl="0" marL="0" rtl="0" algn="l">
+              <a:spcBef>
+                <a:spcPts val="0"/>
+              </a:spcBef>
+              <a:spcAft>
+                <a:spcPts val="0"/>
+              </a:spcAft>
+              <a:buNone/>
+            </a:pPr>
+            <a:r>
+              <a:rPr lang="en" sz="2000">
+                <a:latin typeface="Oswald"/>
+                <a:ea typeface="Oswald"/>
+                <a:cs typeface="Oswald"/>
+                <a:sym typeface="Oswald"/>
+              </a:rPr>
+              <a:t>The average “speechiness” of music trends upward after 1985, as rap music is invented and popularized</a:t>
+            </a:r>
+            <a:endParaRPr sz="1100"/>
+          </a:p>
+        </p:txBody>
+      </p:sp>
+      <p:pic>
+        <p:nvPicPr>
+          <p:cNvPr id="119" name="Google Shape;119;p22"/>
+          <p:cNvPicPr preferRelativeResize="0"/>
+          <p:nvPr/>
+        </p:nvPicPr>
+        <p:blipFill>
+          <a:blip r:embed="rId3">
+            <a:alphaModFix/>
+          </a:blip>
+          <a:stretch>
+            <a:fillRect/>
+          </a:stretch>
+        </p:blipFill>
+        <p:spPr>
+          <a:xfrm>
+            <a:off x="5068982" y="555595"/>
+            <a:ext cx="3485450" cy="2289605"/>
+          </a:xfrm>
+          <a:prstGeom prst="rect">
+            <a:avLst/>
+          </a:prstGeom>
+          <a:noFill/>
+          <a:ln>
+            <a:noFill/>
+          </a:ln>
+        </p:spPr>
+      </p:pic>
+      <p:sp>
+        <p:nvSpPr>
+          <p:cNvPr id="120" name="Google Shape;120;p22"/>
+          <p:cNvSpPr txBox="1"/>
+          <p:nvPr/>
+        </p:nvSpPr>
+        <p:spPr>
+          <a:xfrm>
+            <a:off x="5068975" y="2791700"/>
+            <a:ext cx="3766200" cy="2351700"/>
+          </a:xfrm>
+          <a:prstGeom prst="rect">
+            <a:avLst/>
+          </a:prstGeom>
+          <a:noFill/>
+          <a:ln>
+            <a:noFill/>
+          </a:ln>
+        </p:spPr>
+        <p:txBody>
+          <a:bodyPr anchorCtr="0" anchor="t" bIns="91425" lIns="91425" spcFirstLastPara="1" rIns="91425" wrap="square" tIns="91425">
+            <a:noAutofit/>
+          </a:bodyPr>
+          <a:lstStyle/>
+          <a:p>
+            <a:pPr indent="0" lvl="0" marL="0" rtl="0" algn="l">
+              <a:lnSpc>
+                <a:spcPct val="125000"/>
+              </a:lnSpc>
+              <a:spcBef>
+                <a:spcPts val="1800"/>
+              </a:spcBef>
+              <a:spcAft>
+                <a:spcPts val="0"/>
+              </a:spcAft>
+              <a:buNone/>
+            </a:pPr>
+            <a:r>
+              <a:rPr b="1" lang="en" sz="1650">
+                <a:solidFill>
+                  <a:srgbClr val="24292E"/>
+                </a:solidFill>
+                <a:highlight>
+                  <a:srgbClr val="FFFFFF"/>
+                </a:highlight>
+              </a:rPr>
+              <a:t>Results</a:t>
+            </a:r>
+            <a:endParaRPr b="1" sz="1650">
+              <a:solidFill>
+                <a:srgbClr val="24292E"/>
+              </a:solidFill>
+              <a:highlight>
+                <a:srgbClr val="FFFFFF"/>
+              </a:highlight>
+            </a:endParaRPr>
+          </a:p>
+          <a:p>
+            <a:pPr indent="0" lvl="0" marL="0" rtl="0" algn="l">
+              <a:spcBef>
+                <a:spcPts val="1200"/>
+              </a:spcBef>
+              <a:spcAft>
+                <a:spcPts val="0"/>
+              </a:spcAft>
+              <a:buNone/>
+            </a:pPr>
+            <a:r>
+              <a:rPr lang="en" sz="1000">
+                <a:solidFill>
+                  <a:srgbClr val="24292E"/>
+                </a:solidFill>
+                <a:highlight>
+                  <a:srgbClr val="00FF00"/>
+                </a:highlight>
+                <a:latin typeface="Courier New"/>
+                <a:ea typeface="Courier New"/>
+                <a:cs typeface="Courier New"/>
+                <a:sym typeface="Courier New"/>
+              </a:rPr>
+              <a:t>Successfully</a:t>
+            </a:r>
+            <a:r>
+              <a:rPr lang="en" sz="1000">
+                <a:solidFill>
+                  <a:srgbClr val="24292E"/>
+                </a:solidFill>
+                <a:latin typeface="Courier New"/>
+                <a:ea typeface="Courier New"/>
+                <a:cs typeface="Courier New"/>
+                <a:sym typeface="Courier New"/>
+              </a:rPr>
+              <a:t> rejected null hypothesis </a:t>
+            </a:r>
+            <a:endParaRPr sz="1000">
+              <a:solidFill>
+                <a:srgbClr val="24292E"/>
+              </a:solidFill>
+              <a:latin typeface="Courier New"/>
+              <a:ea typeface="Courier New"/>
+              <a:cs typeface="Courier New"/>
+              <a:sym typeface="Courier New"/>
+            </a:endParaRPr>
+          </a:p>
+          <a:p>
+            <a:pPr indent="0" lvl="0" marL="0" rtl="0" algn="l">
+              <a:spcBef>
+                <a:spcPts val="0"/>
+              </a:spcBef>
+              <a:spcAft>
+                <a:spcPts val="0"/>
+              </a:spcAft>
+              <a:buNone/>
+            </a:pPr>
+            <a:r>
+              <a:rPr lang="en" sz="1000">
+                <a:solidFill>
+                  <a:srgbClr val="24292E"/>
+                </a:solidFill>
+                <a:latin typeface="Courier New"/>
+                <a:ea typeface="Courier New"/>
+                <a:cs typeface="Courier New"/>
+                <a:sym typeface="Courier New"/>
+              </a:rPr>
+              <a:t> </a:t>
+            </a:r>
+            <a:r>
+              <a:rPr b="1" lang="en" sz="1000">
+                <a:solidFill>
+                  <a:srgbClr val="24292E"/>
+                </a:solidFill>
+                <a:latin typeface="Courier New"/>
+                <a:ea typeface="Courier New"/>
+                <a:cs typeface="Courier New"/>
+                <a:sym typeface="Courier New"/>
+              </a:rPr>
+              <a:t>p = 0.014</a:t>
+            </a:r>
+            <a:endParaRPr b="1" sz="1000">
+              <a:solidFill>
+                <a:srgbClr val="24292E"/>
+              </a:solidFill>
+              <a:latin typeface="Courier New"/>
+              <a:ea typeface="Courier New"/>
+              <a:cs typeface="Courier New"/>
+              <a:sym typeface="Courier New"/>
+            </a:endParaRPr>
+          </a:p>
+        </p:txBody>
+      </p:sp>
+    </p:spTree>
+  </p:cSld>
+  <p:clrMapOvr>
+    <a:masterClrMapping/>
+  </p:clrMapOvr>
+</p:sld>
+</file>
+
+<file path=ppt/slides/slide11.xml><?xml version="1.0" encoding="utf-8"?>
+<p:sld xmlns:a="http://schemas.openxmlformats.org/drawingml/2006/main" xmlns:r="http://schemas.openxmlformats.org/officeDocument/2006/relationships" xmlns:mc="http://schemas.openxmlformats.org/markup-compatibility/2006" xmlns:mv="urn:schemas-microsoft-com:mac:vml" xmlns:p="http://schemas.openxmlformats.org/presentationml/2006/main" xmlns:c="http://schemas.openxmlformats.org/drawingml/2006/chart" xmlns:dgm="http://schemas.openxmlformats.org/drawingml/2006/diagram" xmlns:o="urn:schemas-microsoft-com:office:office" xmlns:v="urn:schemas-microsoft-com:vml" xmlns:pvml="urn:schemas-microsoft-com:office:powerpoint" xmlns:com="http://schemas.openxmlformats.org/drawingml/2006/compatibility" xmlns:p14="http://schemas.microsoft.com/office/powerpoint/2010/main" xmlns:p15="http://schemas.microsoft.com/office/powerpoint/2012/main" xmlns:ahyp="http://schemas.microsoft.com/office/drawing/2018/hyperlinkcolor">
+  <p:cSld>
+    <p:spTree>
+      <p:nvGrpSpPr>
+        <p:cNvPr id="124" name="Shape 124"/>
+        <p:cNvGrpSpPr/>
+        <p:nvPr/>
+      </p:nvGrpSpPr>
+      <p:grpSpPr>
+        <a:xfrm>
+          <a:off x="0" y="0"/>
+          <a:ext cx="0" cy="0"/>
+          <a:chOff x="0" y="0"/>
+          <a:chExt cx="0" cy="0"/>
+        </a:xfrm>
+      </p:grpSpPr>
+      <p:sp>
+        <p:nvSpPr>
+          <p:cNvPr id="125" name="Google Shape;125;p23"/>
+          <p:cNvSpPr txBox="1"/>
+          <p:nvPr>
+            <p:ph type="title"/>
+          </p:nvPr>
+        </p:nvSpPr>
+        <p:spPr>
+          <a:xfrm>
+            <a:off x="265500" y="1081400"/>
+            <a:ext cx="4045200" cy="1710300"/>
+          </a:xfrm>
+          <a:prstGeom prst="rect">
+            <a:avLst/>
+          </a:prstGeom>
+        </p:spPr>
+        <p:txBody>
+          <a:bodyPr anchorCtr="0" anchor="b" bIns="91425" lIns="91425" spcFirstLastPara="1" rIns="91425" wrap="square" tIns="91425">
+            <a:noAutofit/>
+          </a:bodyPr>
+          <a:lstStyle/>
+          <a:p>
+            <a:pPr indent="0" lvl="0" marL="0" rtl="0" algn="l">
+              <a:spcBef>
+                <a:spcPts val="0"/>
+              </a:spcBef>
+              <a:spcAft>
+                <a:spcPts val="0"/>
+              </a:spcAft>
+              <a:buNone/>
+            </a:pPr>
+            <a:r>
+              <a:rPr lang="en" sz="3000"/>
+              <a:t>Hypothesis:</a:t>
+            </a:r>
+            <a:endParaRPr/>
+          </a:p>
+        </p:txBody>
+      </p:sp>
+      <p:sp>
+        <p:nvSpPr>
+          <p:cNvPr id="126" name="Google Shape;126;p23"/>
+          <p:cNvSpPr txBox="1"/>
+          <p:nvPr>
+            <p:ph idx="1" type="subTitle"/>
+          </p:nvPr>
+        </p:nvSpPr>
+        <p:spPr>
+          <a:xfrm>
+            <a:off x="265500" y="2845201"/>
+            <a:ext cx="4045200" cy="1345500"/>
+          </a:xfrm>
+          <a:prstGeom prst="rect">
+            <a:avLst/>
+          </a:prstGeom>
+        </p:spPr>
+        <p:txBody>
+          <a:bodyPr anchorCtr="0" anchor="t" bIns="91425" lIns="91425" spcFirstLastPara="1" rIns="91425" wrap="square" tIns="91425">
+            <a:noAutofit/>
+          </a:bodyPr>
+          <a:lstStyle/>
+          <a:p>
+            <a:pPr indent="0" lvl="0" marL="0" rtl="0" algn="l">
+              <a:spcBef>
+                <a:spcPts val="0"/>
+              </a:spcBef>
+              <a:spcAft>
+                <a:spcPts val="0"/>
+              </a:spcAft>
+              <a:buNone/>
+            </a:pPr>
+            <a:r>
+              <a:rPr lang="en" sz="2000">
+                <a:latin typeface="Oswald"/>
+                <a:ea typeface="Oswald"/>
+                <a:cs typeface="Oswald"/>
+                <a:sym typeface="Oswald"/>
+              </a:rPr>
+              <a:t>The average “speechiness” of music trends upward after 1985, as rap music is invented and popularized</a:t>
+            </a:r>
+            <a:endParaRPr sz="1100"/>
+          </a:p>
+        </p:txBody>
+      </p:sp>
+      <p:sp>
+        <p:nvSpPr>
+          <p:cNvPr id="127" name="Google Shape;127;p23"/>
+          <p:cNvSpPr txBox="1"/>
+          <p:nvPr/>
+        </p:nvSpPr>
+        <p:spPr>
+          <a:xfrm>
+            <a:off x="5464950" y="2189250"/>
+            <a:ext cx="2968200" cy="2657400"/>
+          </a:xfrm>
+          <a:prstGeom prst="rect">
+            <a:avLst/>
+          </a:prstGeom>
+          <a:noFill/>
+          <a:ln>
+            <a:noFill/>
+          </a:ln>
+        </p:spPr>
+        <p:txBody>
+          <a:bodyPr anchorCtr="0" anchor="t" bIns="91425" lIns="91425" spcFirstLastPara="1" rIns="91425" wrap="square" tIns="91425">
+            <a:noAutofit/>
+          </a:bodyPr>
+          <a:lstStyle/>
+          <a:p>
+            <a:pPr indent="0" lvl="0" marL="0" rtl="0" algn="l">
+              <a:spcBef>
+                <a:spcPts val="0"/>
+              </a:spcBef>
+              <a:spcAft>
+                <a:spcPts val="0"/>
+              </a:spcAft>
+              <a:buNone/>
+            </a:pPr>
+            <a:r>
+              <a:rPr b="1" lang="en" sz="2100">
+                <a:latin typeface="Average"/>
+                <a:ea typeface="Average"/>
+                <a:cs typeface="Average"/>
+                <a:sym typeface="Average"/>
+              </a:rPr>
+              <a:t>Correct!</a:t>
+            </a:r>
+            <a:endParaRPr b="1" sz="2100">
+              <a:latin typeface="Average"/>
+              <a:ea typeface="Average"/>
+              <a:cs typeface="Average"/>
+              <a:sym typeface="Average"/>
+            </a:endParaRPr>
+          </a:p>
+          <a:p>
+            <a:pPr indent="0" lvl="0" marL="0" rtl="0" algn="l">
+              <a:spcBef>
+                <a:spcPts val="0"/>
+              </a:spcBef>
+              <a:spcAft>
+                <a:spcPts val="0"/>
+              </a:spcAft>
+              <a:buNone/>
+            </a:pPr>
+            <a:r>
+              <a:t/>
+            </a:r>
+            <a:endParaRPr>
+              <a:latin typeface="Average"/>
+              <a:ea typeface="Average"/>
+              <a:cs typeface="Average"/>
+              <a:sym typeface="Average"/>
+            </a:endParaRPr>
+          </a:p>
+          <a:p>
+            <a:pPr indent="0" lvl="0" marL="0" rtl="0" algn="l">
+              <a:spcBef>
+                <a:spcPts val="0"/>
+              </a:spcBef>
+              <a:spcAft>
+                <a:spcPts val="0"/>
+              </a:spcAft>
+              <a:buNone/>
+            </a:pPr>
+            <a:r>
+              <a:rPr lang="en" sz="1600">
+                <a:latin typeface="Average"/>
+                <a:ea typeface="Average"/>
+                <a:cs typeface="Average"/>
+                <a:sym typeface="Average"/>
+              </a:rPr>
+              <a:t>From the year 1985 onward, there is a statistically significant upward trend in the popularity of “speechy” music.</a:t>
+            </a:r>
+            <a:endParaRPr sz="1600">
+              <a:latin typeface="Average"/>
+              <a:ea typeface="Average"/>
+              <a:cs typeface="Average"/>
+              <a:sym typeface="Average"/>
+            </a:endParaRPr>
+          </a:p>
+        </p:txBody>
+      </p:sp>
+    </p:spTree>
+  </p:cSld>
+  <p:clrMapOvr>
+    <a:masterClrMapping/>
+  </p:clrMapOvr>
+</p:sld>
+</file>
+
+<file path=ppt/slides/slide12.xml><?xml version="1.0" encoding="utf-8"?>
+<p:sld xmlns:a="http://schemas.openxmlformats.org/drawingml/2006/main" xmlns:r="http://schemas.openxmlformats.org/officeDocument/2006/relationships" xmlns:mc="http://schemas.openxmlformats.org/markup-compatibility/2006" xmlns:mv="urn:schemas-microsoft-com:mac:vml" xmlns:p="http://schemas.openxmlformats.org/presentationml/2006/main" xmlns:c="http://schemas.openxmlformats.org/drawingml/2006/chart" xmlns:dgm="http://schemas.openxmlformats.org/drawingml/2006/diagram" xmlns:o="urn:schemas-microsoft-com:office:office" xmlns:v="urn:schemas-microsoft-com:vml" xmlns:pvml="urn:schemas-microsoft-com:office:powerpoint" xmlns:com="http://schemas.openxmlformats.org/drawingml/2006/compatibility" xmlns:p14="http://schemas.microsoft.com/office/powerpoint/2010/main" xmlns:p15="http://schemas.microsoft.com/office/powerpoint/2012/main" xmlns:ahyp="http://schemas.microsoft.com/office/drawing/2018/hyperlinkcolor">
+  <p:cSld>
+    <p:spTree>
+      <p:nvGrpSpPr>
+        <p:cNvPr id="131" name="Shape 131"/>
+        <p:cNvGrpSpPr/>
+        <p:nvPr/>
+      </p:nvGrpSpPr>
+      <p:grpSpPr>
+        <a:xfrm>
+          <a:off x="0" y="0"/>
+          <a:ext cx="0" cy="0"/>
+          <a:chOff x="0" y="0"/>
+          <a:chExt cx="0" cy="0"/>
+        </a:xfrm>
+      </p:grpSpPr>
+      <p:pic>
+        <p:nvPicPr>
+          <p:cNvPr id="132" name="Google Shape;132;p24"/>
+          <p:cNvPicPr preferRelativeResize="0"/>
+          <p:nvPr/>
+        </p:nvPicPr>
+        <p:blipFill rotWithShape="1">
+          <a:blip r:embed="rId3">
+            <a:alphaModFix/>
+          </a:blip>
+          <a:srcRect b="3047" l="0" r="0" t="76703"/>
+          <a:stretch/>
+        </p:blipFill>
+        <p:spPr>
+          <a:xfrm>
+            <a:off x="5001554" y="1466779"/>
+            <a:ext cx="3678500" cy="939525"/>
+          </a:xfrm>
+          <a:prstGeom prst="rect">
+            <a:avLst/>
+          </a:prstGeom>
+          <a:noFill/>
+          <a:ln>
+            <a:noFill/>
+          </a:ln>
+        </p:spPr>
+      </p:pic>
+      <p:sp>
+        <p:nvSpPr>
+          <p:cNvPr id="133" name="Google Shape;133;p24"/>
+          <p:cNvSpPr txBox="1"/>
+          <p:nvPr>
+            <p:ph type="title"/>
+          </p:nvPr>
+        </p:nvSpPr>
+        <p:spPr>
+          <a:xfrm>
+            <a:off x="265500" y="1081400"/>
+            <a:ext cx="4045200" cy="1710300"/>
+          </a:xfrm>
+          <a:prstGeom prst="rect">
+            <a:avLst/>
+          </a:prstGeom>
+        </p:spPr>
+        <p:txBody>
+          <a:bodyPr anchorCtr="0" anchor="b" bIns="91425" lIns="91425" spcFirstLastPara="1" rIns="91425" wrap="square" tIns="91425">
+            <a:noAutofit/>
+          </a:bodyPr>
+          <a:lstStyle/>
+          <a:p>
+            <a:pPr indent="0" lvl="0" marL="0" rtl="0" algn="l">
+              <a:spcBef>
+                <a:spcPts val="0"/>
+              </a:spcBef>
+              <a:spcAft>
+                <a:spcPts val="0"/>
+              </a:spcAft>
+              <a:buNone/>
+            </a:pPr>
+            <a:r>
+              <a:rPr lang="en" sz="3000"/>
+              <a:t>Hypothesis:</a:t>
+            </a:r>
+            <a:endParaRPr/>
+          </a:p>
+        </p:txBody>
+      </p:sp>
+      <p:sp>
+        <p:nvSpPr>
+          <p:cNvPr id="134" name="Google Shape;134;p24"/>
+          <p:cNvSpPr txBox="1"/>
+          <p:nvPr>
+            <p:ph idx="1" type="subTitle"/>
+          </p:nvPr>
+        </p:nvSpPr>
+        <p:spPr>
+          <a:xfrm>
+            <a:off x="265500" y="2845201"/>
+            <a:ext cx="4045200" cy="1345500"/>
+          </a:xfrm>
+          <a:prstGeom prst="rect">
+            <a:avLst/>
+          </a:prstGeom>
+        </p:spPr>
+        <p:txBody>
+          <a:bodyPr anchorCtr="0" anchor="t" bIns="91425" lIns="91425" spcFirstLastPara="1" rIns="91425" wrap="square" tIns="91425">
+            <a:noAutofit/>
+          </a:bodyPr>
+          <a:lstStyle/>
+          <a:p>
+            <a:pPr indent="0" lvl="0" marL="0" rtl="0" algn="l">
+              <a:spcBef>
+                <a:spcPts val="0"/>
+              </a:spcBef>
+              <a:spcAft>
+                <a:spcPts val="0"/>
+              </a:spcAft>
+              <a:buNone/>
+            </a:pPr>
+            <a:r>
+              <a:rPr lang="en" sz="2000">
+                <a:latin typeface="Oswald"/>
+                <a:ea typeface="Oswald"/>
+                <a:cs typeface="Oswald"/>
+                <a:sym typeface="Oswald"/>
+              </a:rPr>
+              <a:t>The relationship between danceability and energy is consistent over time, but “valence” (measure of joy/positivity) has been drifting away from them over time.</a:t>
+            </a:r>
+            <a:endParaRPr sz="1100"/>
+          </a:p>
+        </p:txBody>
+      </p:sp>
+      <p:sp>
+        <p:nvSpPr>
+          <p:cNvPr id="135" name="Google Shape;135;p24"/>
+          <p:cNvSpPr txBox="1"/>
+          <p:nvPr/>
+        </p:nvSpPr>
+        <p:spPr>
+          <a:xfrm>
+            <a:off x="5144400" y="2017950"/>
+            <a:ext cx="3999600" cy="3000000"/>
+          </a:xfrm>
+          <a:prstGeom prst="rect">
+            <a:avLst/>
+          </a:prstGeom>
+          <a:noFill/>
+          <a:ln>
+            <a:noFill/>
+          </a:ln>
+        </p:spPr>
+        <p:txBody>
+          <a:bodyPr anchorCtr="0" anchor="t" bIns="91425" lIns="91425" spcFirstLastPara="1" rIns="91425" wrap="square" tIns="91425">
+            <a:noAutofit/>
+          </a:bodyPr>
+          <a:lstStyle/>
+          <a:p>
+            <a:pPr indent="0" lvl="0" marL="0" rtl="0" algn="l">
+              <a:lnSpc>
+                <a:spcPct val="125000"/>
+              </a:lnSpc>
+              <a:spcBef>
+                <a:spcPts val="1800"/>
+              </a:spcBef>
+              <a:spcAft>
+                <a:spcPts val="0"/>
+              </a:spcAft>
+              <a:buNone/>
+            </a:pPr>
+            <a:r>
+              <a:rPr b="1" lang="en" sz="1650">
+                <a:solidFill>
+                  <a:srgbClr val="24292E"/>
+                </a:solidFill>
+                <a:highlight>
+                  <a:srgbClr val="FFFFFF"/>
+                </a:highlight>
+              </a:rPr>
+              <a:t>Results</a:t>
+            </a:r>
+            <a:endParaRPr b="1" sz="1650">
+              <a:solidFill>
+                <a:srgbClr val="24292E"/>
+              </a:solidFill>
+              <a:highlight>
+                <a:srgbClr val="FFFFFF"/>
+              </a:highlight>
+            </a:endParaRPr>
+          </a:p>
+          <a:p>
+            <a:pPr indent="0" lvl="0" marL="0" rtl="0" algn="l">
+              <a:spcBef>
+                <a:spcPts val="1200"/>
+              </a:spcBef>
+              <a:spcAft>
+                <a:spcPts val="0"/>
+              </a:spcAft>
+              <a:buNone/>
+            </a:pPr>
+            <a:r>
+              <a:rPr lang="en" sz="1000">
+                <a:solidFill>
+                  <a:srgbClr val="24292E"/>
+                </a:solidFill>
+                <a:highlight>
+                  <a:srgbClr val="00FF00"/>
+                </a:highlight>
+                <a:latin typeface="Courier New"/>
+                <a:ea typeface="Courier New"/>
+                <a:cs typeface="Courier New"/>
+                <a:sym typeface="Courier New"/>
+              </a:rPr>
+              <a:t>Successfully</a:t>
+            </a:r>
+            <a:r>
+              <a:rPr lang="en" sz="1000">
+                <a:solidFill>
+                  <a:srgbClr val="24292E"/>
+                </a:solidFill>
+                <a:latin typeface="Courier New"/>
+                <a:ea typeface="Courier New"/>
+                <a:cs typeface="Courier New"/>
+                <a:sym typeface="Courier New"/>
+              </a:rPr>
+              <a:t> rejected null hypothesis on </a:t>
+            </a:r>
+            <a:endParaRPr sz="1000">
+              <a:solidFill>
+                <a:srgbClr val="24292E"/>
+              </a:solidFill>
+              <a:latin typeface="Courier New"/>
+              <a:ea typeface="Courier New"/>
+              <a:cs typeface="Courier New"/>
+              <a:sym typeface="Courier New"/>
+            </a:endParaRPr>
+          </a:p>
+          <a:p>
+            <a:pPr indent="0" lvl="0" marL="0" rtl="0" algn="l">
+              <a:spcBef>
+                <a:spcPts val="0"/>
+              </a:spcBef>
+              <a:spcAft>
+                <a:spcPts val="0"/>
+              </a:spcAft>
+              <a:buNone/>
+            </a:pPr>
+            <a:r>
+              <a:rPr lang="en" sz="1000">
+                <a:solidFill>
+                  <a:srgbClr val="24292E"/>
+                </a:solidFill>
+                <a:latin typeface="Courier New"/>
+                <a:ea typeface="Courier New"/>
+                <a:cs typeface="Courier New"/>
+                <a:sym typeface="Courier New"/>
+              </a:rPr>
+              <a:t> </a:t>
+            </a:r>
+            <a:r>
+              <a:rPr b="1" lang="en" sz="1000">
+                <a:solidFill>
+                  <a:srgbClr val="24292E"/>
+                </a:solidFill>
+                <a:latin typeface="Courier New"/>
+                <a:ea typeface="Courier New"/>
+                <a:cs typeface="Courier New"/>
+                <a:sym typeface="Courier New"/>
+              </a:rPr>
+              <a:t>[valence vs danceability] : p = 0.0</a:t>
+            </a:r>
+            <a:endParaRPr b="1" sz="1000">
+              <a:solidFill>
+                <a:srgbClr val="24292E"/>
+              </a:solidFill>
+              <a:latin typeface="Courier New"/>
+              <a:ea typeface="Courier New"/>
+              <a:cs typeface="Courier New"/>
+              <a:sym typeface="Courier New"/>
+            </a:endParaRPr>
+          </a:p>
+          <a:p>
+            <a:pPr indent="0" lvl="0" marL="0" rtl="0" algn="l">
+              <a:spcBef>
+                <a:spcPts val="0"/>
+              </a:spcBef>
+              <a:spcAft>
+                <a:spcPts val="0"/>
+              </a:spcAft>
+              <a:buNone/>
+            </a:pPr>
+            <a:r>
+              <a:t/>
+            </a:r>
+            <a:endParaRPr sz="1000">
+              <a:solidFill>
+                <a:srgbClr val="24292E"/>
+              </a:solidFill>
+              <a:latin typeface="Courier New"/>
+              <a:ea typeface="Courier New"/>
+              <a:cs typeface="Courier New"/>
+              <a:sym typeface="Courier New"/>
+            </a:endParaRPr>
+          </a:p>
+          <a:p>
+            <a:pPr indent="0" lvl="0" marL="0" rtl="0" algn="l">
+              <a:spcBef>
+                <a:spcPts val="0"/>
+              </a:spcBef>
+              <a:spcAft>
+                <a:spcPts val="0"/>
+              </a:spcAft>
+              <a:buNone/>
+            </a:pPr>
+            <a:r>
+              <a:rPr lang="en" sz="1000">
+                <a:solidFill>
+                  <a:srgbClr val="24292E"/>
+                </a:solidFill>
+                <a:highlight>
+                  <a:srgbClr val="E06666"/>
+                </a:highlight>
+                <a:latin typeface="Courier New"/>
+                <a:ea typeface="Courier New"/>
+                <a:cs typeface="Courier New"/>
+                <a:sym typeface="Courier New"/>
+              </a:rPr>
+              <a:t>Failed</a:t>
+            </a:r>
+            <a:r>
+              <a:rPr lang="en" sz="1000">
+                <a:solidFill>
+                  <a:srgbClr val="24292E"/>
+                </a:solidFill>
+                <a:latin typeface="Courier New"/>
+                <a:ea typeface="Courier New"/>
+                <a:cs typeface="Courier New"/>
+                <a:sym typeface="Courier New"/>
+              </a:rPr>
+              <a:t> to reject null hypothesis on </a:t>
+            </a:r>
+            <a:endParaRPr sz="1000">
+              <a:solidFill>
+                <a:srgbClr val="24292E"/>
+              </a:solidFill>
+              <a:latin typeface="Courier New"/>
+              <a:ea typeface="Courier New"/>
+              <a:cs typeface="Courier New"/>
+              <a:sym typeface="Courier New"/>
+            </a:endParaRPr>
+          </a:p>
+          <a:p>
+            <a:pPr indent="0" lvl="0" marL="0" rtl="0" algn="l">
+              <a:spcBef>
+                <a:spcPts val="0"/>
+              </a:spcBef>
+              <a:spcAft>
+                <a:spcPts val="0"/>
+              </a:spcAft>
+              <a:buNone/>
+            </a:pPr>
+            <a:r>
+              <a:rPr lang="en" sz="1000">
+                <a:solidFill>
+                  <a:srgbClr val="24292E"/>
+                </a:solidFill>
+                <a:latin typeface="Courier New"/>
+                <a:ea typeface="Courier New"/>
+                <a:cs typeface="Courier New"/>
+                <a:sym typeface="Courier New"/>
+              </a:rPr>
+              <a:t> </a:t>
+            </a:r>
+            <a:r>
+              <a:rPr b="1" lang="en" sz="1000">
+                <a:solidFill>
+                  <a:srgbClr val="24292E"/>
+                </a:solidFill>
+                <a:latin typeface="Courier New"/>
+                <a:ea typeface="Courier New"/>
+                <a:cs typeface="Courier New"/>
+                <a:sym typeface="Courier New"/>
+              </a:rPr>
+              <a:t>[danceability vs energy] : p = 0.8525</a:t>
+            </a:r>
+            <a:endParaRPr b="1" sz="1000">
+              <a:solidFill>
+                <a:srgbClr val="24292E"/>
+              </a:solidFill>
+              <a:latin typeface="Courier New"/>
+              <a:ea typeface="Courier New"/>
+              <a:cs typeface="Courier New"/>
+              <a:sym typeface="Courier New"/>
+            </a:endParaRPr>
+          </a:p>
+          <a:p>
+            <a:pPr indent="0" lvl="0" marL="0" rtl="0" algn="l">
+              <a:spcBef>
+                <a:spcPts val="0"/>
+              </a:spcBef>
+              <a:spcAft>
+                <a:spcPts val="0"/>
+              </a:spcAft>
+              <a:buNone/>
+            </a:pPr>
+            <a:r>
+              <a:t/>
+            </a:r>
+            <a:endParaRPr sz="1000">
+              <a:solidFill>
+                <a:srgbClr val="24292E"/>
+              </a:solidFill>
+              <a:latin typeface="Courier New"/>
+              <a:ea typeface="Courier New"/>
+              <a:cs typeface="Courier New"/>
+              <a:sym typeface="Courier New"/>
+            </a:endParaRPr>
+          </a:p>
+          <a:p>
+            <a:pPr indent="0" lvl="0" marL="0" rtl="0" algn="l">
+              <a:spcBef>
+                <a:spcPts val="0"/>
+              </a:spcBef>
+              <a:spcAft>
+                <a:spcPts val="0"/>
+              </a:spcAft>
+              <a:buNone/>
+            </a:pPr>
+            <a:r>
+              <a:rPr lang="en" sz="1000">
+                <a:solidFill>
+                  <a:srgbClr val="24292E"/>
+                </a:solidFill>
+                <a:highlight>
+                  <a:srgbClr val="00FF00"/>
+                </a:highlight>
+                <a:latin typeface="Courier New"/>
+                <a:ea typeface="Courier New"/>
+                <a:cs typeface="Courier New"/>
+                <a:sym typeface="Courier New"/>
+              </a:rPr>
+              <a:t>Successfully</a:t>
+            </a:r>
+            <a:r>
+              <a:rPr lang="en" sz="1000">
+                <a:solidFill>
+                  <a:srgbClr val="24292E"/>
+                </a:solidFill>
+                <a:latin typeface="Courier New"/>
+                <a:ea typeface="Courier New"/>
+                <a:cs typeface="Courier New"/>
+                <a:sym typeface="Courier New"/>
+              </a:rPr>
+              <a:t> rejected null hypothesis on </a:t>
+            </a:r>
+            <a:endParaRPr sz="1000">
+              <a:solidFill>
+                <a:srgbClr val="24292E"/>
+              </a:solidFill>
+              <a:latin typeface="Courier New"/>
+              <a:ea typeface="Courier New"/>
+              <a:cs typeface="Courier New"/>
+              <a:sym typeface="Courier New"/>
+            </a:endParaRPr>
+          </a:p>
+          <a:p>
+            <a:pPr indent="0" lvl="0" marL="152400" marR="152400" rtl="0" algn="l">
+              <a:lnSpc>
+                <a:spcPct val="145000"/>
+              </a:lnSpc>
+              <a:spcBef>
+                <a:spcPts val="0"/>
+              </a:spcBef>
+              <a:spcAft>
+                <a:spcPts val="0"/>
+              </a:spcAft>
+              <a:buNone/>
+            </a:pPr>
+            <a:r>
+              <a:rPr lang="en" sz="1000">
+                <a:solidFill>
+                  <a:srgbClr val="24292E"/>
+                </a:solidFill>
+                <a:latin typeface="Courier New"/>
+                <a:ea typeface="Courier New"/>
+                <a:cs typeface="Courier New"/>
+                <a:sym typeface="Courier New"/>
+              </a:rPr>
+              <a:t> </a:t>
+            </a:r>
+            <a:r>
+              <a:rPr b="1" lang="en" sz="1000">
+                <a:solidFill>
+                  <a:srgbClr val="24292E"/>
+                </a:solidFill>
+                <a:latin typeface="Courier New"/>
+                <a:ea typeface="Courier New"/>
+                <a:cs typeface="Courier New"/>
+                <a:sym typeface="Courier New"/>
+              </a:rPr>
+              <a:t>[energy vs valence] : p = 0.0069</a:t>
+            </a:r>
+            <a:endParaRPr b="1" sz="1000">
+              <a:solidFill>
+                <a:srgbClr val="24292E"/>
+              </a:solidFill>
+              <a:latin typeface="Courier New"/>
+              <a:ea typeface="Courier New"/>
+              <a:cs typeface="Courier New"/>
+              <a:sym typeface="Courier New"/>
+            </a:endParaRPr>
+          </a:p>
+        </p:txBody>
+      </p:sp>
+      <p:pic>
+        <p:nvPicPr>
+          <p:cNvPr id="136" name="Google Shape;136;p24"/>
+          <p:cNvPicPr preferRelativeResize="0"/>
+          <p:nvPr/>
+        </p:nvPicPr>
+        <p:blipFill rotWithShape="1">
+          <a:blip r:embed="rId4">
+            <a:alphaModFix/>
+          </a:blip>
+          <a:srcRect b="21606" l="0" r="0" t="32374"/>
+          <a:stretch/>
+        </p:blipFill>
+        <p:spPr>
+          <a:xfrm>
+            <a:off x="6565525" y="25"/>
+            <a:ext cx="2613750" cy="1517150"/>
+          </a:xfrm>
+          <a:prstGeom prst="rect">
+            <a:avLst/>
+          </a:prstGeom>
+          <a:noFill/>
+          <a:ln>
+            <a:noFill/>
+          </a:ln>
+        </p:spPr>
+      </p:pic>
+      <p:pic>
+        <p:nvPicPr>
+          <p:cNvPr id="137" name="Google Shape;137;p24"/>
+          <p:cNvPicPr preferRelativeResize="0"/>
+          <p:nvPr/>
+        </p:nvPicPr>
+        <p:blipFill rotWithShape="1">
+          <a:blip r:embed="rId5">
+            <a:alphaModFix/>
+          </a:blip>
+          <a:srcRect b="66504" l="8054" r="13130" t="0"/>
+          <a:stretch/>
+        </p:blipFill>
+        <p:spPr>
+          <a:xfrm>
+            <a:off x="4572000" y="73225"/>
+            <a:ext cx="2557100" cy="1370775"/>
+          </a:xfrm>
+          <a:prstGeom prst="rect">
+            <a:avLst/>
+          </a:prstGeom>
+          <a:noFill/>
+          <a:ln>
+            <a:noFill/>
+          </a:ln>
+        </p:spPr>
+      </p:pic>
+    </p:spTree>
+  </p:cSld>
+  <p:clrMapOvr>
+    <a:masterClrMapping/>
+  </p:clrMapOvr>
+</p:sld>
+</file>
+
+<file path=ppt/slides/slide13.xml><?xml version="1.0" encoding="utf-8"?>
+<p:sld xmlns:a="http://schemas.openxmlformats.org/drawingml/2006/main" xmlns:r="http://schemas.openxmlformats.org/officeDocument/2006/relationships" xmlns:mc="http://schemas.openxmlformats.org/markup-compatibility/2006" xmlns:mv="urn:schemas-microsoft-com:mac:vml" xmlns:p="http://schemas.openxmlformats.org/presentationml/2006/main" xmlns:c="http://schemas.openxmlformats.org/drawingml/2006/chart" xmlns:dgm="http://schemas.openxmlformats.org/drawingml/2006/diagram" xmlns:o="urn:schemas-microsoft-com:office:office" xmlns:v="urn:schemas-microsoft-com:vml" xmlns:pvml="urn:schemas-microsoft-com:office:powerpoint" xmlns:com="http://schemas.openxmlformats.org/drawingml/2006/compatibility" xmlns:p14="http://schemas.microsoft.com/office/powerpoint/2010/main" xmlns:p15="http://schemas.microsoft.com/office/powerpoint/2012/main" xmlns:ahyp="http://schemas.microsoft.com/office/drawing/2018/hyperlinkcolor">
+  <p:cSld>
+    <p:spTree>
+      <p:nvGrpSpPr>
+        <p:cNvPr id="141" name="Shape 141"/>
+        <p:cNvGrpSpPr/>
+        <p:nvPr/>
+      </p:nvGrpSpPr>
+      <p:grpSpPr>
+        <a:xfrm>
+          <a:off x="0" y="0"/>
+          <a:ext cx="0" cy="0"/>
+          <a:chOff x="0" y="0"/>
+          <a:chExt cx="0" cy="0"/>
+        </a:xfrm>
+      </p:grpSpPr>
+      <p:sp>
+        <p:nvSpPr>
+          <p:cNvPr id="142" name="Google Shape;142;p25"/>
+          <p:cNvSpPr txBox="1"/>
+          <p:nvPr>
+            <p:ph type="title"/>
+          </p:nvPr>
+        </p:nvSpPr>
+        <p:spPr>
+          <a:xfrm>
+            <a:off x="265500" y="1081400"/>
+            <a:ext cx="4045200" cy="1710300"/>
+          </a:xfrm>
+          <a:prstGeom prst="rect">
+            <a:avLst/>
+          </a:prstGeom>
+        </p:spPr>
+        <p:txBody>
+          <a:bodyPr anchorCtr="0" anchor="b" bIns="91425" lIns="91425" spcFirstLastPara="1" rIns="91425" wrap="square" tIns="91425">
+            <a:noAutofit/>
+          </a:bodyPr>
+          <a:lstStyle/>
+          <a:p>
+            <a:pPr indent="0" lvl="0" marL="0" rtl="0" algn="l">
+              <a:spcBef>
+                <a:spcPts val="0"/>
+              </a:spcBef>
+              <a:spcAft>
+                <a:spcPts val="0"/>
+              </a:spcAft>
+              <a:buNone/>
+            </a:pPr>
+            <a:r>
+              <a:rPr lang="en" sz="3000"/>
+              <a:t>Hypothesis:</a:t>
+            </a:r>
+            <a:endParaRPr/>
+          </a:p>
+        </p:txBody>
+      </p:sp>
+      <p:sp>
+        <p:nvSpPr>
+          <p:cNvPr id="143" name="Google Shape;143;p25"/>
+          <p:cNvSpPr txBox="1"/>
+          <p:nvPr>
+            <p:ph idx="1" type="subTitle"/>
+          </p:nvPr>
+        </p:nvSpPr>
+        <p:spPr>
+          <a:xfrm>
+            <a:off x="265500" y="2845201"/>
+            <a:ext cx="4045200" cy="1345500"/>
+          </a:xfrm>
+          <a:prstGeom prst="rect">
+            <a:avLst/>
+          </a:prstGeom>
+        </p:spPr>
+        <p:txBody>
+          <a:bodyPr anchorCtr="0" anchor="t" bIns="91425" lIns="91425" spcFirstLastPara="1" rIns="91425" wrap="square" tIns="91425">
+            <a:noAutofit/>
+          </a:bodyPr>
+          <a:lstStyle/>
+          <a:p>
+            <a:pPr indent="0" lvl="0" marL="0" rtl="0" algn="l">
+              <a:spcBef>
+                <a:spcPts val="0"/>
+              </a:spcBef>
+              <a:spcAft>
+                <a:spcPts val="0"/>
+              </a:spcAft>
+              <a:buNone/>
+            </a:pPr>
+            <a:r>
+              <a:rPr lang="en" sz="2000">
+                <a:latin typeface="Oswald"/>
+                <a:ea typeface="Oswald"/>
+                <a:cs typeface="Oswald"/>
+                <a:sym typeface="Oswald"/>
+              </a:rPr>
+              <a:t>The relationship between danceability and energy is consistent over time, but “valence” (measure of joy/positivity) has been drifting away from them over time.</a:t>
+            </a:r>
+            <a:endParaRPr sz="1100"/>
+          </a:p>
+        </p:txBody>
+      </p:sp>
+      <p:sp>
+        <p:nvSpPr>
+          <p:cNvPr id="144" name="Google Shape;144;p25"/>
+          <p:cNvSpPr txBox="1"/>
+          <p:nvPr/>
+        </p:nvSpPr>
+        <p:spPr>
+          <a:xfrm>
+            <a:off x="5464950" y="2189250"/>
+            <a:ext cx="2968200" cy="2657400"/>
+          </a:xfrm>
+          <a:prstGeom prst="rect">
+            <a:avLst/>
+          </a:prstGeom>
+          <a:noFill/>
+          <a:ln>
+            <a:noFill/>
+          </a:ln>
+        </p:spPr>
+        <p:txBody>
+          <a:bodyPr anchorCtr="0" anchor="t" bIns="91425" lIns="91425" spcFirstLastPara="1" rIns="91425" wrap="square" tIns="91425">
+            <a:noAutofit/>
+          </a:bodyPr>
+          <a:lstStyle/>
+          <a:p>
+            <a:pPr indent="0" lvl="0" marL="0" rtl="0" algn="l">
+              <a:spcBef>
+                <a:spcPts val="0"/>
+              </a:spcBef>
+              <a:spcAft>
+                <a:spcPts val="0"/>
+              </a:spcAft>
+              <a:buNone/>
+            </a:pPr>
+            <a:r>
+              <a:rPr b="1" lang="en" sz="2100">
+                <a:latin typeface="Average"/>
+                <a:ea typeface="Average"/>
+                <a:cs typeface="Average"/>
+                <a:sym typeface="Average"/>
+              </a:rPr>
+              <a:t>Correct!</a:t>
+            </a:r>
+            <a:endParaRPr b="1" sz="2100">
+              <a:latin typeface="Average"/>
+              <a:ea typeface="Average"/>
+              <a:cs typeface="Average"/>
+              <a:sym typeface="Average"/>
+            </a:endParaRPr>
+          </a:p>
+          <a:p>
+            <a:pPr indent="0" lvl="0" marL="0" rtl="0" algn="l">
+              <a:spcBef>
+                <a:spcPts val="0"/>
+              </a:spcBef>
+              <a:spcAft>
+                <a:spcPts val="0"/>
+              </a:spcAft>
+              <a:buNone/>
+            </a:pPr>
+            <a:r>
+              <a:t/>
+            </a:r>
+            <a:endParaRPr>
+              <a:latin typeface="Average"/>
+              <a:ea typeface="Average"/>
+              <a:cs typeface="Average"/>
+              <a:sym typeface="Average"/>
+            </a:endParaRPr>
+          </a:p>
+          <a:p>
+            <a:pPr indent="0" lvl="0" marL="0" rtl="0" algn="l">
+              <a:spcBef>
+                <a:spcPts val="0"/>
+              </a:spcBef>
+              <a:spcAft>
+                <a:spcPts val="0"/>
+              </a:spcAft>
+              <a:buNone/>
+            </a:pPr>
+            <a:r>
+              <a:rPr lang="en" sz="1600">
+                <a:latin typeface="Average"/>
+                <a:ea typeface="Average"/>
+                <a:cs typeface="Average"/>
+                <a:sym typeface="Average"/>
+              </a:rPr>
+              <a:t>The danceability and energy of popular music seem to remain linked, while “valence” has a significant drift away from both of them.</a:t>
+            </a:r>
+            <a:endParaRPr sz="1600">
+              <a:latin typeface="Average"/>
+              <a:ea typeface="Average"/>
+              <a:cs typeface="Average"/>
+              <a:sym typeface="Average"/>
+            </a:endParaRPr>
+          </a:p>
+        </p:txBody>
+      </p:sp>
+    </p:spTree>
+  </p:cSld>
+  <p:clrMapOvr>
+    <a:masterClrMapping/>
+  </p:clrMapOvr>
+</p:sld>
+</file>
+
+<file path=ppt/slides/slide14.xml><?xml version="1.0" encoding="utf-8"?>
+<p:sld xmlns:a="http://schemas.openxmlformats.org/drawingml/2006/main" xmlns:r="http://schemas.openxmlformats.org/officeDocument/2006/relationships" xmlns:mc="http://schemas.openxmlformats.org/markup-compatibility/2006" xmlns:mv="urn:schemas-microsoft-com:mac:vml" xmlns:p="http://schemas.openxmlformats.org/presentationml/2006/main" xmlns:c="http://schemas.openxmlformats.org/drawingml/2006/chart" xmlns:dgm="http://schemas.openxmlformats.org/drawingml/2006/diagram" xmlns:o="urn:schemas-microsoft-com:office:office" xmlns:v="urn:schemas-microsoft-com:vml" xmlns:pvml="urn:schemas-microsoft-com:office:powerpoint" xmlns:com="http://schemas.openxmlformats.org/drawingml/2006/compatibility" xmlns:p14="http://schemas.microsoft.com/office/powerpoint/2010/main" xmlns:p15="http://schemas.microsoft.com/office/powerpoint/2012/main" xmlns:ahyp="http://schemas.microsoft.com/office/drawing/2018/hyperlinkcolor">
+  <p:cSld>
+    <p:spTree>
+      <p:nvGrpSpPr>
+        <p:cNvPr id="148" name="Shape 148"/>
+        <p:cNvGrpSpPr/>
+        <p:nvPr/>
+      </p:nvGrpSpPr>
+      <p:grpSpPr>
+        <a:xfrm>
+          <a:off x="0" y="0"/>
+          <a:ext cx="0" cy="0"/>
+          <a:chOff x="0" y="0"/>
+          <a:chExt cx="0" cy="0"/>
+        </a:xfrm>
+      </p:grpSpPr>
+      <p:sp>
+        <p:nvSpPr>
+          <p:cNvPr id="149" name="Google Shape;149;p26"/>
+          <p:cNvSpPr txBox="1"/>
+          <p:nvPr>
+            <p:ph type="title"/>
+          </p:nvPr>
+        </p:nvSpPr>
+        <p:spPr>
+          <a:xfrm>
+            <a:off x="265500" y="1081400"/>
+            <a:ext cx="4045200" cy="1710300"/>
+          </a:xfrm>
+          <a:prstGeom prst="rect">
+            <a:avLst/>
+          </a:prstGeom>
+        </p:spPr>
+        <p:txBody>
+          <a:bodyPr anchorCtr="0" anchor="b" bIns="91425" lIns="91425" spcFirstLastPara="1" rIns="91425" wrap="square" tIns="91425">
+            <a:noAutofit/>
+          </a:bodyPr>
+          <a:lstStyle/>
+          <a:p>
+            <a:pPr indent="0" lvl="0" marL="0" rtl="0" algn="ctr">
+              <a:spcBef>
+                <a:spcPts val="0"/>
+              </a:spcBef>
+              <a:spcAft>
+                <a:spcPts val="0"/>
+              </a:spcAft>
+              <a:buNone/>
+            </a:pPr>
+            <a:r>
+              <a:rPr lang="en"/>
+              <a:t>Links</a:t>
+            </a:r>
+            <a:endParaRPr/>
+          </a:p>
+        </p:txBody>
+      </p:sp>
+      <p:sp>
+        <p:nvSpPr>
+          <p:cNvPr id="150" name="Google Shape;150;p26"/>
+          <p:cNvSpPr txBox="1"/>
+          <p:nvPr/>
+        </p:nvSpPr>
+        <p:spPr>
+          <a:xfrm>
+            <a:off x="5335425" y="1205700"/>
+            <a:ext cx="2958000" cy="2732100"/>
+          </a:xfrm>
+          <a:prstGeom prst="rect">
+            <a:avLst/>
+          </a:prstGeom>
+          <a:noFill/>
+          <a:ln>
+            <a:noFill/>
+          </a:ln>
+        </p:spPr>
+        <p:txBody>
+          <a:bodyPr anchorCtr="0" anchor="t" bIns="91425" lIns="91425" spcFirstLastPara="1" rIns="91425" wrap="square" tIns="91425">
+            <a:noAutofit/>
+          </a:bodyPr>
+          <a:lstStyle/>
+          <a:p>
+            <a:pPr indent="0" lvl="0" marL="0" rtl="0" algn="l">
+              <a:spcBef>
+                <a:spcPts val="0"/>
+              </a:spcBef>
+              <a:spcAft>
+                <a:spcPts val="0"/>
+              </a:spcAft>
+              <a:buNone/>
+            </a:pPr>
+            <a:r>
+              <a:rPr lang="en">
+                <a:latin typeface="Average"/>
+                <a:ea typeface="Average"/>
+                <a:cs typeface="Average"/>
+                <a:sym typeface="Average"/>
+              </a:rPr>
+              <a:t>Project Repo:</a:t>
+            </a:r>
+            <a:endParaRPr>
+              <a:latin typeface="Average"/>
+              <a:ea typeface="Average"/>
+              <a:cs typeface="Average"/>
+              <a:sym typeface="Average"/>
+            </a:endParaRPr>
+          </a:p>
+          <a:p>
+            <a:pPr indent="-279400" lvl="0" marL="457200" rtl="0" algn="l">
+              <a:spcBef>
+                <a:spcPts val="0"/>
+              </a:spcBef>
+              <a:spcAft>
+                <a:spcPts val="0"/>
+              </a:spcAft>
+              <a:buSzPts val="800"/>
+              <a:buFont typeface="Average"/>
+              <a:buChar char="●"/>
+            </a:pPr>
+            <a:r>
+              <a:rPr lang="en" sz="800">
+                <a:latin typeface="Average"/>
+                <a:ea typeface="Average"/>
+                <a:cs typeface="Average"/>
+                <a:sym typeface="Average"/>
+              </a:rPr>
+              <a:t>github.com/zackmagnotti/tin-pan-data</a:t>
+            </a:r>
+            <a:endParaRPr sz="800">
+              <a:latin typeface="Average"/>
+              <a:ea typeface="Average"/>
+              <a:cs typeface="Average"/>
+              <a:sym typeface="Average"/>
+            </a:endParaRPr>
+          </a:p>
+          <a:p>
+            <a:pPr indent="0" lvl="0" marL="0" rtl="0" algn="l">
+              <a:spcBef>
+                <a:spcPts val="0"/>
+              </a:spcBef>
+              <a:spcAft>
+                <a:spcPts val="0"/>
+              </a:spcAft>
+              <a:buNone/>
+            </a:pPr>
+            <a:r>
+              <a:t/>
+            </a:r>
+            <a:endParaRPr>
+              <a:latin typeface="Average"/>
+              <a:ea typeface="Average"/>
+              <a:cs typeface="Average"/>
+              <a:sym typeface="Average"/>
+            </a:endParaRPr>
+          </a:p>
+          <a:p>
+            <a:pPr indent="0" lvl="0" marL="0" rtl="0" algn="l">
+              <a:spcBef>
+                <a:spcPts val="0"/>
+              </a:spcBef>
+              <a:spcAft>
+                <a:spcPts val="0"/>
+              </a:spcAft>
+              <a:buNone/>
+            </a:pPr>
+            <a:r>
+              <a:t/>
+            </a:r>
+            <a:endParaRPr>
+              <a:latin typeface="Average"/>
+              <a:ea typeface="Average"/>
+              <a:cs typeface="Average"/>
+              <a:sym typeface="Average"/>
+            </a:endParaRPr>
+          </a:p>
+          <a:p>
+            <a:pPr indent="0" lvl="0" marL="0" rtl="0" algn="l">
+              <a:spcBef>
+                <a:spcPts val="0"/>
+              </a:spcBef>
+              <a:spcAft>
+                <a:spcPts val="0"/>
+              </a:spcAft>
+              <a:buNone/>
+            </a:pPr>
+            <a:r>
+              <a:t/>
+            </a:r>
+            <a:endParaRPr>
+              <a:latin typeface="Average"/>
+              <a:ea typeface="Average"/>
+              <a:cs typeface="Average"/>
+              <a:sym typeface="Average"/>
+            </a:endParaRPr>
+          </a:p>
+          <a:p>
+            <a:pPr indent="0" lvl="0" marL="0" rtl="0" algn="l">
+              <a:spcBef>
+                <a:spcPts val="0"/>
+              </a:spcBef>
+              <a:spcAft>
+                <a:spcPts val="0"/>
+              </a:spcAft>
+              <a:buNone/>
+            </a:pPr>
+            <a:r>
+              <a:rPr lang="en">
+                <a:latin typeface="Average"/>
+                <a:ea typeface="Average"/>
+                <a:cs typeface="Average"/>
+                <a:sym typeface="Average"/>
+              </a:rPr>
+              <a:t>Data Source:</a:t>
+            </a:r>
+            <a:endParaRPr>
+              <a:latin typeface="Average"/>
+              <a:ea typeface="Average"/>
+              <a:cs typeface="Average"/>
+              <a:sym typeface="Average"/>
+            </a:endParaRPr>
+          </a:p>
+          <a:p>
+            <a:pPr indent="-279400" lvl="0" marL="457200" rtl="0" algn="l">
+              <a:spcBef>
+                <a:spcPts val="0"/>
+              </a:spcBef>
+              <a:spcAft>
+                <a:spcPts val="0"/>
+              </a:spcAft>
+              <a:buSzPts val="800"/>
+              <a:buFont typeface="Average"/>
+              <a:buChar char="●"/>
+            </a:pPr>
+            <a:r>
+              <a:rPr lang="en" sz="800">
+                <a:latin typeface="Average"/>
+                <a:ea typeface="Average"/>
+                <a:cs typeface="Average"/>
+                <a:sym typeface="Average"/>
+              </a:rPr>
+              <a:t>components.one/datasets/billboard-200</a:t>
+            </a:r>
+            <a:endParaRPr>
+              <a:latin typeface="Average"/>
+              <a:ea typeface="Average"/>
+              <a:cs typeface="Average"/>
+              <a:sym typeface="Average"/>
+            </a:endParaRPr>
+          </a:p>
+          <a:p>
+            <a:pPr indent="0" lvl="0" marL="0" rtl="0" algn="l">
+              <a:spcBef>
+                <a:spcPts val="0"/>
+              </a:spcBef>
+              <a:spcAft>
+                <a:spcPts val="0"/>
+              </a:spcAft>
+              <a:buNone/>
+            </a:pPr>
+            <a:r>
+              <a:t/>
+            </a:r>
+            <a:endParaRPr>
+              <a:latin typeface="Average"/>
+              <a:ea typeface="Average"/>
+              <a:cs typeface="Average"/>
+              <a:sym typeface="Average"/>
+            </a:endParaRPr>
+          </a:p>
+          <a:p>
+            <a:pPr indent="0" lvl="0" marL="0" rtl="0" algn="l">
+              <a:spcBef>
+                <a:spcPts val="0"/>
+              </a:spcBef>
+              <a:spcAft>
+                <a:spcPts val="0"/>
+              </a:spcAft>
+              <a:buNone/>
+            </a:pPr>
+            <a:r>
+              <a:t/>
+            </a:r>
+            <a:endParaRPr>
+              <a:latin typeface="Average"/>
+              <a:ea typeface="Average"/>
+              <a:cs typeface="Average"/>
+              <a:sym typeface="Average"/>
+            </a:endParaRPr>
+          </a:p>
+          <a:p>
+            <a:pPr indent="0" lvl="0" marL="0" rtl="0" algn="l">
+              <a:spcBef>
+                <a:spcPts val="0"/>
+              </a:spcBef>
+              <a:spcAft>
+                <a:spcPts val="0"/>
+              </a:spcAft>
+              <a:buNone/>
+            </a:pPr>
+            <a:r>
+              <a:t/>
+            </a:r>
+            <a:endParaRPr>
+              <a:latin typeface="Average"/>
+              <a:ea typeface="Average"/>
+              <a:cs typeface="Average"/>
+              <a:sym typeface="Average"/>
+            </a:endParaRPr>
+          </a:p>
+          <a:p>
+            <a:pPr indent="0" lvl="0" marL="0" rtl="0" algn="l">
+              <a:spcBef>
+                <a:spcPts val="0"/>
+              </a:spcBef>
+              <a:spcAft>
+                <a:spcPts val="0"/>
+              </a:spcAft>
+              <a:buNone/>
+            </a:pPr>
+            <a:r>
+              <a:rPr lang="en">
+                <a:latin typeface="Average"/>
+                <a:ea typeface="Average"/>
+                <a:cs typeface="Average"/>
+                <a:sym typeface="Average"/>
+              </a:rPr>
+              <a:t>List of Albums by Kenny G:</a:t>
+            </a:r>
+            <a:endParaRPr>
+              <a:latin typeface="Average"/>
+              <a:ea typeface="Average"/>
+              <a:cs typeface="Average"/>
+              <a:sym typeface="Average"/>
+            </a:endParaRPr>
+          </a:p>
+          <a:p>
+            <a:pPr indent="-279400" lvl="0" marL="457200" rtl="0" algn="l">
+              <a:spcBef>
+                <a:spcPts val="0"/>
+              </a:spcBef>
+              <a:spcAft>
+                <a:spcPts val="0"/>
+              </a:spcAft>
+              <a:buSzPts val="800"/>
+              <a:buFont typeface="Average"/>
+              <a:buChar char="●"/>
+            </a:pPr>
+            <a:r>
+              <a:rPr lang="en" sz="800">
+                <a:latin typeface="Average"/>
+                <a:ea typeface="Average"/>
+                <a:cs typeface="Average"/>
+                <a:sym typeface="Average"/>
+              </a:rPr>
+              <a:t>wikipedia.org/wiki/Kenny_G_discography</a:t>
+            </a:r>
+            <a:endParaRPr>
+              <a:latin typeface="Average"/>
+              <a:ea typeface="Average"/>
+              <a:cs typeface="Average"/>
+              <a:sym typeface="Average"/>
+            </a:endParaRPr>
+          </a:p>
+        </p:txBody>
+      </p:sp>
+    </p:spTree>
+  </p:cSld>
+  <p:clrMapOvr>
+    <a:masterClrMapping/>
+  </p:clrMapOvr>
+</p:sld>
+</file>
+
 <file path=ppt/slides/slide2.xml><?xml version="1.0" encoding="utf-8"?>
 <p:sld xmlns:a="http://schemas.openxmlformats.org/drawingml/2006/main" xmlns:r="http://schemas.openxmlformats.org/officeDocument/2006/relationships" xmlns:mc="http://schemas.openxmlformats.org/markup-compatibility/2006" xmlns:mv="urn:schemas-microsoft-com:mac:vml" xmlns:p="http://schemas.openxmlformats.org/presentationml/2006/main" xmlns:c="http://schemas.openxmlformats.org/drawingml/2006/chart" xmlns:dgm="http://schemas.openxmlformats.org/drawingml/2006/diagram" xmlns:o="urn:schemas-microsoft-com:office:office" xmlns:v="urn:schemas-microsoft-com:vml" xmlns:pvml="urn:schemas-microsoft-com:office:powerpoint" xmlns:com="http://schemas.openxmlformats.org/drawingml/2006/compatibility" xmlns:p14="http://schemas.microsoft.com/office/powerpoint/2010/main" xmlns:p15="http://schemas.microsoft.com/office/powerpoint/2012/main" xmlns:ahyp="http://schemas.microsoft.com/office/drawing/2018/hyperlinkcolor">
   <p:cSld>
@@ -7023,8 +9172,11 @@
           <a:lstStyle/>
           <a:p>
             <a:pPr indent="0" lvl="0" marL="0" rtl="0" algn="l">
-              <a:spcBef>
-                <a:spcPts val="0"/>
+              <a:lnSpc>
+                <a:spcPct val="115000"/>
+              </a:lnSpc>
+              <a:spcBef>
+                <a:spcPts val="1000"/>
               </a:spcBef>
               <a:spcAft>
                 <a:spcPts val="0"/>
@@ -7039,6 +9191,9 @@
           </a:p>
           <a:p>
             <a:pPr indent="-342900" lvl="0" marL="457200" rtl="0" algn="l">
+              <a:lnSpc>
+                <a:spcPct val="115000"/>
+              </a:lnSpc>
               <a:spcBef>
                 <a:spcPts val="1600"/>
               </a:spcBef>
@@ -7050,17 +9205,20 @@
             </a:pPr>
             <a:r>
               <a:rPr lang="en"/>
-              <a:t>A table of every album to make the billboard 200 for every week from 1963-2019.</a:t>
+              <a:t>A table of every album to make the Billboard top 200 albums list for every week from 1963-2019.</a:t>
             </a:r>
             <a:endParaRPr/>
           </a:p>
           <a:p>
             <a:pPr indent="-342900" lvl="0" marL="457200" rtl="0" algn="l">
-              <a:spcBef>
-                <a:spcPts val="0"/>
-              </a:spcBef>
-              <a:spcAft>
-                <a:spcPts val="0"/>
+              <a:lnSpc>
+                <a:spcPct val="115000"/>
+              </a:lnSpc>
+              <a:spcBef>
+                <a:spcPts val="1600"/>
+              </a:spcBef>
+              <a:spcAft>
+                <a:spcPts val="1600"/>
               </a:spcAft>
               <a:buSzPts val="1800"/>
               <a:buChar char="●"/>
@@ -7807,7 +9965,7 @@
             </a:pPr>
             <a:r>
               <a:rPr lang="en"/>
-              <a:t>Figures</a:t>
+              <a:t>Example</a:t>
             </a:r>
             <a:endParaRPr/>
           </a:p>
@@ -7838,9 +9996,220 @@
           <a:chExt cx="0" cy="0"/>
         </a:xfrm>
       </p:grpSpPr>
+      <p:sp>
+        <p:nvSpPr>
+          <p:cNvPr id="90" name="Google Shape;90;p17"/>
+          <p:cNvSpPr txBox="1"/>
+          <p:nvPr>
+            <p:ph type="title"/>
+          </p:nvPr>
+        </p:nvSpPr>
+        <p:spPr>
+          <a:xfrm>
+            <a:off x="311700" y="273575"/>
+            <a:ext cx="8520600" cy="572700"/>
+          </a:xfrm>
+          <a:prstGeom prst="rect">
+            <a:avLst/>
+          </a:prstGeom>
+        </p:spPr>
+        <p:txBody>
+          <a:bodyPr anchorCtr="0" anchor="t" bIns="91425" lIns="91425" spcFirstLastPara="1" rIns="91425" wrap="square" tIns="91425">
+            <a:noAutofit/>
+          </a:bodyPr>
+          <a:lstStyle/>
+          <a:p>
+            <a:pPr indent="0" lvl="0" marL="0" rtl="0" algn="ctr">
+              <a:spcBef>
+                <a:spcPts val="0"/>
+              </a:spcBef>
+              <a:spcAft>
+                <a:spcPts val="0"/>
+              </a:spcAft>
+              <a:buNone/>
+            </a:pPr>
+            <a:r>
+              <a:rPr lang="en"/>
+              <a:t>Vibe of Kenny G’s </a:t>
+            </a:r>
+            <a:r>
+              <a:rPr i="1" lang="en"/>
+              <a:t>Heart and Soul</a:t>
+            </a:r>
+            <a:endParaRPr i="1"/>
+          </a:p>
+        </p:txBody>
+      </p:sp>
       <p:pic>
         <p:nvPicPr>
-          <p:cNvPr id="90" name="Google Shape;90;p17"/>
+          <p:cNvPr id="91" name="Google Shape;91;p17"/>
+          <p:cNvPicPr preferRelativeResize="0"/>
+          <p:nvPr/>
+        </p:nvPicPr>
+        <p:blipFill>
+          <a:blip r:embed="rId3">
+            <a:alphaModFix/>
+          </a:blip>
+          <a:stretch>
+            <a:fillRect/>
+          </a:stretch>
+        </p:blipFill>
+        <p:spPr>
+          <a:xfrm>
+            <a:off x="1706263" y="1017725"/>
+            <a:ext cx="5731463" cy="3820975"/>
+          </a:xfrm>
+          <a:prstGeom prst="rect">
+            <a:avLst/>
+          </a:prstGeom>
+          <a:noFill/>
+          <a:ln>
+            <a:noFill/>
+          </a:ln>
+        </p:spPr>
+      </p:pic>
+      <p:sp>
+        <p:nvSpPr>
+          <p:cNvPr id="92" name="Google Shape;92;p17"/>
+          <p:cNvSpPr/>
+          <p:nvPr/>
+        </p:nvSpPr>
+        <p:spPr>
+          <a:xfrm>
+            <a:off x="3418275" y="1080825"/>
+            <a:ext cx="2486100" cy="172800"/>
+          </a:xfrm>
+          <a:prstGeom prst="rect">
+            <a:avLst/>
+          </a:prstGeom>
+          <a:solidFill>
+            <a:srgbClr val="FFFFFF"/>
+          </a:solidFill>
+          <a:ln cap="flat" cmpd="sng" w="9525">
+            <a:solidFill>
+              <a:srgbClr val="FFFFFF"/>
+            </a:solidFill>
+            <a:prstDash val="solid"/>
+            <a:round/>
+            <a:headEnd len="sm" w="sm" type="none"/>
+            <a:tailEnd len="sm" w="sm" type="none"/>
+          </a:ln>
+        </p:spPr>
+        <p:txBody>
+          <a:bodyPr anchorCtr="0" anchor="ctr" bIns="91425" lIns="91425" spcFirstLastPara="1" rIns="91425" wrap="square" tIns="91425">
+            <a:noAutofit/>
+          </a:bodyPr>
+          <a:lstStyle/>
+          <a:p>
+            <a:pPr indent="0" lvl="0" marL="0" rtl="0" algn="l">
+              <a:spcBef>
+                <a:spcPts val="0"/>
+              </a:spcBef>
+              <a:spcAft>
+                <a:spcPts val="0"/>
+              </a:spcAft>
+              <a:buNone/>
+            </a:pPr>
+            <a:r>
+              <a:t/>
+            </a:r>
+            <a:endParaRPr/>
+          </a:p>
+        </p:txBody>
+      </p:sp>
+    </p:spTree>
+  </p:cSld>
+  <p:clrMapOvr>
+    <a:masterClrMapping/>
+  </p:clrMapOvr>
+</p:sld>
+</file>
+
+<file path=ppt/slides/slide6.xml><?xml version="1.0" encoding="utf-8"?>
+<p:sld xmlns:a="http://schemas.openxmlformats.org/drawingml/2006/main" xmlns:r="http://schemas.openxmlformats.org/officeDocument/2006/relationships" xmlns:mc="http://schemas.openxmlformats.org/markup-compatibility/2006" xmlns:mv="urn:schemas-microsoft-com:mac:vml" xmlns:p="http://schemas.openxmlformats.org/presentationml/2006/main" xmlns:c="http://schemas.openxmlformats.org/drawingml/2006/chart" xmlns:dgm="http://schemas.openxmlformats.org/drawingml/2006/diagram" xmlns:o="urn:schemas-microsoft-com:office:office" xmlns:v="urn:schemas-microsoft-com:vml" xmlns:pvml="urn:schemas-microsoft-com:office:powerpoint" xmlns:com="http://schemas.openxmlformats.org/drawingml/2006/compatibility" xmlns:p14="http://schemas.microsoft.com/office/powerpoint/2010/main" xmlns:p15="http://schemas.microsoft.com/office/powerpoint/2012/main" xmlns:ahyp="http://schemas.microsoft.com/office/drawing/2018/hyperlinkcolor">
+  <p:cSld>
+    <p:spTree>
+      <p:nvGrpSpPr>
+        <p:cNvPr id="96" name="Shape 96"/>
+        <p:cNvGrpSpPr/>
+        <p:nvPr/>
+      </p:nvGrpSpPr>
+      <p:grpSpPr>
+        <a:xfrm>
+          <a:off x="0" y="0"/>
+          <a:ext cx="0" cy="0"/>
+          <a:chOff x="0" y="0"/>
+          <a:chExt cx="0" cy="0"/>
+        </a:xfrm>
+      </p:grpSpPr>
+      <p:sp>
+        <p:nvSpPr>
+          <p:cNvPr id="97" name="Google Shape;97;p18"/>
+          <p:cNvSpPr txBox="1"/>
+          <p:nvPr>
+            <p:ph type="title"/>
+          </p:nvPr>
+        </p:nvSpPr>
+        <p:spPr>
+          <a:xfrm>
+            <a:off x="671250" y="2141250"/>
+            <a:ext cx="7852200" cy="861000"/>
+          </a:xfrm>
+          <a:prstGeom prst="rect">
+            <a:avLst/>
+          </a:prstGeom>
+        </p:spPr>
+        <p:txBody>
+          <a:bodyPr anchorCtr="0" anchor="ctr" bIns="91425" lIns="91425" spcFirstLastPara="1" rIns="91425" wrap="square" tIns="91425">
+            <a:noAutofit/>
+          </a:bodyPr>
+          <a:lstStyle/>
+          <a:p>
+            <a:pPr indent="0" lvl="0" marL="0" rtl="0" algn="ctr">
+              <a:spcBef>
+                <a:spcPts val="0"/>
+              </a:spcBef>
+              <a:spcAft>
+                <a:spcPts val="0"/>
+              </a:spcAft>
+              <a:buNone/>
+            </a:pPr>
+            <a:r>
+              <a:rPr lang="en"/>
+              <a:t>Figures</a:t>
+            </a:r>
+            <a:endParaRPr/>
+          </a:p>
+        </p:txBody>
+      </p:sp>
+    </p:spTree>
+  </p:cSld>
+  <p:clrMapOvr>
+    <a:masterClrMapping/>
+  </p:clrMapOvr>
+</p:sld>
+</file>
+
+<file path=ppt/slides/slide7.xml><?xml version="1.0" encoding="utf-8"?>
+<p:sld xmlns:a="http://schemas.openxmlformats.org/drawingml/2006/main" xmlns:r="http://schemas.openxmlformats.org/officeDocument/2006/relationships" xmlns:mc="http://schemas.openxmlformats.org/markup-compatibility/2006" xmlns:mv="urn:schemas-microsoft-com:mac:vml" xmlns:p="http://schemas.openxmlformats.org/presentationml/2006/main" xmlns:c="http://schemas.openxmlformats.org/drawingml/2006/chart" xmlns:dgm="http://schemas.openxmlformats.org/drawingml/2006/diagram" xmlns:o="urn:schemas-microsoft-com:office:office" xmlns:v="urn:schemas-microsoft-com:vml" xmlns:pvml="urn:schemas-microsoft-com:office:powerpoint" xmlns:com="http://schemas.openxmlformats.org/drawingml/2006/compatibility" xmlns:p14="http://schemas.microsoft.com/office/powerpoint/2010/main" xmlns:p15="http://schemas.microsoft.com/office/powerpoint/2012/main" xmlns:ahyp="http://schemas.microsoft.com/office/drawing/2018/hyperlinkcolor">
+  <p:cSld>
+    <p:spTree>
+      <p:nvGrpSpPr>
+        <p:cNvPr id="101" name="Shape 101"/>
+        <p:cNvGrpSpPr/>
+        <p:nvPr/>
+      </p:nvGrpSpPr>
+      <p:grpSpPr>
+        <a:xfrm>
+          <a:off x="0" y="0"/>
+          <a:ext cx="0" cy="0"/>
+          <a:chOff x="0" y="0"/>
+          <a:chExt cx="0" cy="0"/>
+        </a:xfrm>
+      </p:grpSpPr>
+      <p:pic>
+        <p:nvPicPr>
+          <p:cNvPr id="102" name="Google Shape;102;p19"/>
           <p:cNvPicPr preferRelativeResize="0"/>
           <p:nvPr/>
         </p:nvPicPr>
@@ -7874,12 +10243,12 @@
 </p:sld>
 </file>
 
-<file path=ppt/slides/slide6.xml><?xml version="1.0" encoding="utf-8"?>
+<file path=ppt/slides/slide8.xml><?xml version="1.0" encoding="utf-8"?>
 <p:sld xmlns:a="http://schemas.openxmlformats.org/drawingml/2006/main" xmlns:r="http://schemas.openxmlformats.org/officeDocument/2006/relationships" xmlns:mc="http://schemas.openxmlformats.org/markup-compatibility/2006" xmlns:mv="urn:schemas-microsoft-com:mac:vml" xmlns:p="http://schemas.openxmlformats.org/presentationml/2006/main" xmlns:c="http://schemas.openxmlformats.org/drawingml/2006/chart" xmlns:dgm="http://schemas.openxmlformats.org/drawingml/2006/diagram" xmlns:o="urn:schemas-microsoft-com:office:office" xmlns:v="urn:schemas-microsoft-com:vml" xmlns:pvml="urn:schemas-microsoft-com:office:powerpoint" xmlns:com="http://schemas.openxmlformats.org/drawingml/2006/compatibility" xmlns:p14="http://schemas.microsoft.com/office/powerpoint/2010/main" xmlns:p15="http://schemas.microsoft.com/office/powerpoint/2012/main" xmlns:ahyp="http://schemas.microsoft.com/office/drawing/2018/hyperlinkcolor">
   <p:cSld>
     <p:spTree>
       <p:nvGrpSpPr>
-        <p:cNvPr id="94" name="Shape 94"/>
+        <p:cNvPr id="106" name="Shape 106"/>
         <p:cNvGrpSpPr/>
         <p:nvPr/>
       </p:nvGrpSpPr>
@@ -7893,7 +10262,7 @@
       </p:grpSpPr>
       <p:pic>
         <p:nvPicPr>
-          <p:cNvPr id="95" name="Google Shape;95;p18"/>
+          <p:cNvPr id="107" name="Google Shape;107;p20"/>
           <p:cNvPicPr preferRelativeResize="0"/>
           <p:nvPr/>
         </p:nvPicPr>
@@ -7926,12 +10295,12 @@
 </p:sld>
 </file>
 
-<file path=ppt/slides/slide7.xml><?xml version="1.0" encoding="utf-8"?>
+<file path=ppt/slides/slide9.xml><?xml version="1.0" encoding="utf-8"?>
 <p:sld xmlns:a="http://schemas.openxmlformats.org/drawingml/2006/main" xmlns:r="http://schemas.openxmlformats.org/officeDocument/2006/relationships" xmlns:mc="http://schemas.openxmlformats.org/markup-compatibility/2006" xmlns:mv="urn:schemas-microsoft-com:mac:vml" xmlns:p="http://schemas.openxmlformats.org/presentationml/2006/main" xmlns:c="http://schemas.openxmlformats.org/drawingml/2006/chart" xmlns:dgm="http://schemas.openxmlformats.org/drawingml/2006/diagram" xmlns:o="urn:schemas-microsoft-com:office:office" xmlns:v="urn:schemas-microsoft-com:vml" xmlns:pvml="urn:schemas-microsoft-com:office:powerpoint" xmlns:com="http://schemas.openxmlformats.org/drawingml/2006/compatibility" xmlns:p14="http://schemas.microsoft.com/office/powerpoint/2010/main" xmlns:p15="http://schemas.microsoft.com/office/powerpoint/2012/main" xmlns:ahyp="http://schemas.microsoft.com/office/drawing/2018/hyperlinkcolor">
   <p:cSld>
     <p:spTree>
       <p:nvGrpSpPr>
-        <p:cNvPr id="99" name="Shape 99"/>
+        <p:cNvPr id="111" name="Shape 111"/>
         <p:cNvGrpSpPr/>
         <p:nvPr/>
       </p:nvGrpSpPr>
@@ -7945,7 +10314,7 @@
       </p:grpSpPr>
       <p:sp>
         <p:nvSpPr>
-          <p:cNvPr id="100" name="Google Shape;100;p19"/>
+          <p:cNvPr id="112" name="Google Shape;112;p21"/>
           <p:cNvSpPr txBox="1"/>
           <p:nvPr>
             <p:ph type="title"/>
@@ -7953,875 +10322,15 @@
         </p:nvSpPr>
         <p:spPr>
           <a:xfrm>
-            <a:off x="265500" y="1081400"/>
-            <a:ext cx="4045200" cy="1710300"/>
+            <a:off x="671250" y="2141250"/>
+            <a:ext cx="7852200" cy="861000"/>
           </a:xfrm>
           <a:prstGeom prst="rect">
             <a:avLst/>
           </a:prstGeom>
         </p:spPr>
         <p:txBody>
-          <a:bodyPr anchorCtr="0" anchor="b" bIns="91425" lIns="91425" spcFirstLastPara="1" rIns="91425" wrap="square" tIns="91425">
-            <a:noAutofit/>
-          </a:bodyPr>
-          <a:lstStyle/>
-          <a:p>
-            <a:pPr indent="0" lvl="0" marL="0" rtl="0" algn="l">
-              <a:spcBef>
-                <a:spcPts val="0"/>
-              </a:spcBef>
-              <a:spcAft>
-                <a:spcPts val="0"/>
-              </a:spcAft>
-              <a:buNone/>
-            </a:pPr>
-            <a:r>
-              <a:rPr lang="en" sz="3000"/>
-              <a:t>Hypothesis:</a:t>
-            </a:r>
-            <a:endParaRPr/>
-          </a:p>
-        </p:txBody>
-      </p:sp>
-      <p:sp>
-        <p:nvSpPr>
-          <p:cNvPr id="101" name="Google Shape;101;p19"/>
-          <p:cNvSpPr txBox="1"/>
-          <p:nvPr>
-            <p:ph idx="1" type="subTitle"/>
-          </p:nvPr>
-        </p:nvSpPr>
-        <p:spPr>
-          <a:xfrm>
-            <a:off x="265500" y="2845201"/>
-            <a:ext cx="4045200" cy="1345500"/>
-          </a:xfrm>
-          <a:prstGeom prst="rect">
-            <a:avLst/>
-          </a:prstGeom>
-        </p:spPr>
-        <p:txBody>
-          <a:bodyPr anchorCtr="0" anchor="t" bIns="91425" lIns="91425" spcFirstLastPara="1" rIns="91425" wrap="square" tIns="91425">
-            <a:noAutofit/>
-          </a:bodyPr>
-          <a:lstStyle/>
-          <a:p>
-            <a:pPr indent="0" lvl="0" marL="0" rtl="0" algn="l">
-              <a:spcBef>
-                <a:spcPts val="0"/>
-              </a:spcBef>
-              <a:spcAft>
-                <a:spcPts val="0"/>
-              </a:spcAft>
-              <a:buNone/>
-            </a:pPr>
-            <a:r>
-              <a:rPr lang="en" sz="2000">
-                <a:latin typeface="Oswald"/>
-                <a:ea typeface="Oswald"/>
-                <a:cs typeface="Oswald"/>
-                <a:sym typeface="Oswald"/>
-              </a:rPr>
-              <a:t>The average “speechiness” of music trends upward after 1985, as rap music is invented and popularized</a:t>
-            </a:r>
-            <a:endParaRPr sz="1100"/>
-          </a:p>
-        </p:txBody>
-      </p:sp>
-      <p:pic>
-        <p:nvPicPr>
-          <p:cNvPr id="102" name="Google Shape;102;p19"/>
-          <p:cNvPicPr preferRelativeResize="0"/>
-          <p:nvPr/>
-        </p:nvPicPr>
-        <p:blipFill>
-          <a:blip r:embed="rId3">
-            <a:alphaModFix/>
-          </a:blip>
-          <a:stretch>
-            <a:fillRect/>
-          </a:stretch>
-        </p:blipFill>
-        <p:spPr>
-          <a:xfrm>
-            <a:off x="5068982" y="555595"/>
-            <a:ext cx="3485450" cy="2289605"/>
-          </a:xfrm>
-          <a:prstGeom prst="rect">
-            <a:avLst/>
-          </a:prstGeom>
-          <a:noFill/>
-          <a:ln>
-            <a:noFill/>
-          </a:ln>
-        </p:spPr>
-      </p:pic>
-      <p:sp>
-        <p:nvSpPr>
-          <p:cNvPr id="103" name="Google Shape;103;p19"/>
-          <p:cNvSpPr txBox="1"/>
-          <p:nvPr/>
-        </p:nvSpPr>
-        <p:spPr>
-          <a:xfrm>
-            <a:off x="5068975" y="2791700"/>
-            <a:ext cx="3766200" cy="2351700"/>
-          </a:xfrm>
-          <a:prstGeom prst="rect">
-            <a:avLst/>
-          </a:prstGeom>
-          <a:noFill/>
-          <a:ln>
-            <a:noFill/>
-          </a:ln>
-        </p:spPr>
-        <p:txBody>
-          <a:bodyPr anchorCtr="0" anchor="t" bIns="91425" lIns="91425" spcFirstLastPara="1" rIns="91425" wrap="square" tIns="91425">
-            <a:noAutofit/>
-          </a:bodyPr>
-          <a:lstStyle/>
-          <a:p>
-            <a:pPr indent="0" lvl="0" marL="0" rtl="0" algn="l">
-              <a:lnSpc>
-                <a:spcPct val="125000"/>
-              </a:lnSpc>
-              <a:spcBef>
-                <a:spcPts val="1800"/>
-              </a:spcBef>
-              <a:spcAft>
-                <a:spcPts val="0"/>
-              </a:spcAft>
-              <a:buNone/>
-            </a:pPr>
-            <a:r>
-              <a:rPr b="1" lang="en" sz="1650">
-                <a:solidFill>
-                  <a:srgbClr val="24292E"/>
-                </a:solidFill>
-                <a:highlight>
-                  <a:srgbClr val="FFFFFF"/>
-                </a:highlight>
-              </a:rPr>
-              <a:t>Results</a:t>
-            </a:r>
-            <a:endParaRPr b="1" sz="1650">
-              <a:solidFill>
-                <a:srgbClr val="24292E"/>
-              </a:solidFill>
-              <a:highlight>
-                <a:srgbClr val="FFFFFF"/>
-              </a:highlight>
-            </a:endParaRPr>
-          </a:p>
-          <a:p>
-            <a:pPr indent="0" lvl="0" marL="0" rtl="0" algn="l">
-              <a:spcBef>
-                <a:spcPts val="1200"/>
-              </a:spcBef>
-              <a:spcAft>
-                <a:spcPts val="0"/>
-              </a:spcAft>
-              <a:buNone/>
-            </a:pPr>
-            <a:r>
-              <a:rPr lang="en" sz="1000">
-                <a:solidFill>
-                  <a:srgbClr val="24292E"/>
-                </a:solidFill>
-                <a:highlight>
-                  <a:srgbClr val="00FF00"/>
-                </a:highlight>
-                <a:latin typeface="Courier New"/>
-                <a:ea typeface="Courier New"/>
-                <a:cs typeface="Courier New"/>
-                <a:sym typeface="Courier New"/>
-              </a:rPr>
-              <a:t>Successfully</a:t>
-            </a:r>
-            <a:r>
-              <a:rPr lang="en" sz="1000">
-                <a:solidFill>
-                  <a:srgbClr val="24292E"/>
-                </a:solidFill>
-                <a:latin typeface="Courier New"/>
-                <a:ea typeface="Courier New"/>
-                <a:cs typeface="Courier New"/>
-                <a:sym typeface="Courier New"/>
-              </a:rPr>
-              <a:t> rejected null hypothesis </a:t>
-            </a:r>
-            <a:endParaRPr sz="1000">
-              <a:solidFill>
-                <a:srgbClr val="24292E"/>
-              </a:solidFill>
-              <a:latin typeface="Courier New"/>
-              <a:ea typeface="Courier New"/>
-              <a:cs typeface="Courier New"/>
-              <a:sym typeface="Courier New"/>
-            </a:endParaRPr>
-          </a:p>
-          <a:p>
-            <a:pPr indent="0" lvl="0" marL="0" rtl="0" algn="l">
-              <a:spcBef>
-                <a:spcPts val="0"/>
-              </a:spcBef>
-              <a:spcAft>
-                <a:spcPts val="0"/>
-              </a:spcAft>
-              <a:buNone/>
-            </a:pPr>
-            <a:r>
-              <a:rPr lang="en" sz="1000">
-                <a:solidFill>
-                  <a:srgbClr val="24292E"/>
-                </a:solidFill>
-                <a:latin typeface="Courier New"/>
-                <a:ea typeface="Courier New"/>
-                <a:cs typeface="Courier New"/>
-                <a:sym typeface="Courier New"/>
-              </a:rPr>
-              <a:t> </a:t>
-            </a:r>
-            <a:r>
-              <a:rPr b="1" lang="en" sz="1000">
-                <a:solidFill>
-                  <a:srgbClr val="24292E"/>
-                </a:solidFill>
-                <a:latin typeface="Courier New"/>
-                <a:ea typeface="Courier New"/>
-                <a:cs typeface="Courier New"/>
-                <a:sym typeface="Courier New"/>
-              </a:rPr>
-              <a:t>p = 0.014</a:t>
-            </a:r>
-            <a:endParaRPr b="1" sz="1000">
-              <a:solidFill>
-                <a:srgbClr val="24292E"/>
-              </a:solidFill>
-              <a:latin typeface="Courier New"/>
-              <a:ea typeface="Courier New"/>
-              <a:cs typeface="Courier New"/>
-              <a:sym typeface="Courier New"/>
-            </a:endParaRPr>
-          </a:p>
-        </p:txBody>
-      </p:sp>
-    </p:spTree>
-  </p:cSld>
-  <p:clrMapOvr>
-    <a:masterClrMapping/>
-  </p:clrMapOvr>
-</p:sld>
-</file>
-
-<file path=ppt/slides/slide8.xml><?xml version="1.0" encoding="utf-8"?>
-<p:sld xmlns:a="http://schemas.openxmlformats.org/drawingml/2006/main" xmlns:r="http://schemas.openxmlformats.org/officeDocument/2006/relationships" xmlns:mc="http://schemas.openxmlformats.org/markup-compatibility/2006" xmlns:mv="urn:schemas-microsoft-com:mac:vml" xmlns:p="http://schemas.openxmlformats.org/presentationml/2006/main" xmlns:c="http://schemas.openxmlformats.org/drawingml/2006/chart" xmlns:dgm="http://schemas.openxmlformats.org/drawingml/2006/diagram" xmlns:o="urn:schemas-microsoft-com:office:office" xmlns:v="urn:schemas-microsoft-com:vml" xmlns:pvml="urn:schemas-microsoft-com:office:powerpoint" xmlns:com="http://schemas.openxmlformats.org/drawingml/2006/compatibility" xmlns:p14="http://schemas.microsoft.com/office/powerpoint/2010/main" xmlns:p15="http://schemas.microsoft.com/office/powerpoint/2012/main" xmlns:ahyp="http://schemas.microsoft.com/office/drawing/2018/hyperlinkcolor">
-  <p:cSld>
-    <p:spTree>
-      <p:nvGrpSpPr>
-        <p:cNvPr id="107" name="Shape 107"/>
-        <p:cNvGrpSpPr/>
-        <p:nvPr/>
-      </p:nvGrpSpPr>
-      <p:grpSpPr>
-        <a:xfrm>
-          <a:off x="0" y="0"/>
-          <a:ext cx="0" cy="0"/>
-          <a:chOff x="0" y="0"/>
-          <a:chExt cx="0" cy="0"/>
-        </a:xfrm>
-      </p:grpSpPr>
-      <p:pic>
-        <p:nvPicPr>
-          <p:cNvPr id="108" name="Google Shape;108;p20"/>
-          <p:cNvPicPr preferRelativeResize="0"/>
-          <p:nvPr/>
-        </p:nvPicPr>
-        <p:blipFill rotWithShape="1">
-          <a:blip r:embed="rId3">
-            <a:alphaModFix/>
-          </a:blip>
-          <a:srcRect b="3047" l="0" r="0" t="76703"/>
-          <a:stretch/>
-        </p:blipFill>
-        <p:spPr>
-          <a:xfrm>
-            <a:off x="5001554" y="1466779"/>
-            <a:ext cx="3678500" cy="939525"/>
-          </a:xfrm>
-          <a:prstGeom prst="rect">
-            <a:avLst/>
-          </a:prstGeom>
-          <a:noFill/>
-          <a:ln>
-            <a:noFill/>
-          </a:ln>
-        </p:spPr>
-      </p:pic>
-      <p:sp>
-        <p:nvSpPr>
-          <p:cNvPr id="109" name="Google Shape;109;p20"/>
-          <p:cNvSpPr txBox="1"/>
-          <p:nvPr>
-            <p:ph type="title"/>
-          </p:nvPr>
-        </p:nvSpPr>
-        <p:spPr>
-          <a:xfrm>
-            <a:off x="265500" y="1081400"/>
-            <a:ext cx="4045200" cy="1710300"/>
-          </a:xfrm>
-          <a:prstGeom prst="rect">
-            <a:avLst/>
-          </a:prstGeom>
-        </p:spPr>
-        <p:txBody>
-          <a:bodyPr anchorCtr="0" anchor="b" bIns="91425" lIns="91425" spcFirstLastPara="1" rIns="91425" wrap="square" tIns="91425">
-            <a:noAutofit/>
-          </a:bodyPr>
-          <a:lstStyle/>
-          <a:p>
-            <a:pPr indent="0" lvl="0" marL="0" rtl="0" algn="l">
-              <a:spcBef>
-                <a:spcPts val="0"/>
-              </a:spcBef>
-              <a:spcAft>
-                <a:spcPts val="0"/>
-              </a:spcAft>
-              <a:buNone/>
-            </a:pPr>
-            <a:r>
-              <a:rPr lang="en" sz="3000"/>
-              <a:t>Hypothesis:</a:t>
-            </a:r>
-            <a:endParaRPr/>
-          </a:p>
-        </p:txBody>
-      </p:sp>
-      <p:sp>
-        <p:nvSpPr>
-          <p:cNvPr id="110" name="Google Shape;110;p20"/>
-          <p:cNvSpPr txBox="1"/>
-          <p:nvPr>
-            <p:ph idx="1" type="subTitle"/>
-          </p:nvPr>
-        </p:nvSpPr>
-        <p:spPr>
-          <a:xfrm>
-            <a:off x="265500" y="2845201"/>
-            <a:ext cx="4045200" cy="1345500"/>
-          </a:xfrm>
-          <a:prstGeom prst="rect">
-            <a:avLst/>
-          </a:prstGeom>
-        </p:spPr>
-        <p:txBody>
-          <a:bodyPr anchorCtr="0" anchor="t" bIns="91425" lIns="91425" spcFirstLastPara="1" rIns="91425" wrap="square" tIns="91425">
-            <a:noAutofit/>
-          </a:bodyPr>
-          <a:lstStyle/>
-          <a:p>
-            <a:pPr indent="0" lvl="0" marL="0" rtl="0" algn="l">
-              <a:spcBef>
-                <a:spcPts val="0"/>
-              </a:spcBef>
-              <a:spcAft>
-                <a:spcPts val="0"/>
-              </a:spcAft>
-              <a:buNone/>
-            </a:pPr>
-            <a:r>
-              <a:rPr lang="en" sz="2000">
-                <a:latin typeface="Oswald"/>
-                <a:ea typeface="Oswald"/>
-                <a:cs typeface="Oswald"/>
-                <a:sym typeface="Oswald"/>
-              </a:rPr>
-              <a:t>The relationship between danceability and energy is consistent over time, but “valence” (measure of joy/positivity) has been drifting away from them over time.</a:t>
-            </a:r>
-            <a:endParaRPr sz="1100"/>
-          </a:p>
-        </p:txBody>
-      </p:sp>
-      <p:sp>
-        <p:nvSpPr>
-          <p:cNvPr id="111" name="Google Shape;111;p20"/>
-          <p:cNvSpPr txBox="1"/>
-          <p:nvPr/>
-        </p:nvSpPr>
-        <p:spPr>
-          <a:xfrm>
-            <a:off x="5144400" y="2017950"/>
-            <a:ext cx="3999600" cy="3000000"/>
-          </a:xfrm>
-          <a:prstGeom prst="rect">
-            <a:avLst/>
-          </a:prstGeom>
-          <a:noFill/>
-          <a:ln>
-            <a:noFill/>
-          </a:ln>
-        </p:spPr>
-        <p:txBody>
-          <a:bodyPr anchorCtr="0" anchor="t" bIns="91425" lIns="91425" spcFirstLastPara="1" rIns="91425" wrap="square" tIns="91425">
-            <a:noAutofit/>
-          </a:bodyPr>
-          <a:lstStyle/>
-          <a:p>
-            <a:pPr indent="0" lvl="0" marL="0" rtl="0" algn="l">
-              <a:lnSpc>
-                <a:spcPct val="125000"/>
-              </a:lnSpc>
-              <a:spcBef>
-                <a:spcPts val="1800"/>
-              </a:spcBef>
-              <a:spcAft>
-                <a:spcPts val="0"/>
-              </a:spcAft>
-              <a:buNone/>
-            </a:pPr>
-            <a:r>
-              <a:rPr b="1" lang="en" sz="1650">
-                <a:solidFill>
-                  <a:srgbClr val="24292E"/>
-                </a:solidFill>
-                <a:highlight>
-                  <a:srgbClr val="FFFFFF"/>
-                </a:highlight>
-              </a:rPr>
-              <a:t>Results</a:t>
-            </a:r>
-            <a:endParaRPr b="1" sz="1650">
-              <a:solidFill>
-                <a:srgbClr val="24292E"/>
-              </a:solidFill>
-              <a:highlight>
-                <a:srgbClr val="FFFFFF"/>
-              </a:highlight>
-            </a:endParaRPr>
-          </a:p>
-          <a:p>
-            <a:pPr indent="0" lvl="0" marL="0" rtl="0" algn="l">
-              <a:spcBef>
-                <a:spcPts val="1200"/>
-              </a:spcBef>
-              <a:spcAft>
-                <a:spcPts val="0"/>
-              </a:spcAft>
-              <a:buNone/>
-            </a:pPr>
-            <a:r>
-              <a:rPr lang="en" sz="1000">
-                <a:solidFill>
-                  <a:srgbClr val="24292E"/>
-                </a:solidFill>
-                <a:highlight>
-                  <a:srgbClr val="00FF00"/>
-                </a:highlight>
-                <a:latin typeface="Courier New"/>
-                <a:ea typeface="Courier New"/>
-                <a:cs typeface="Courier New"/>
-                <a:sym typeface="Courier New"/>
-              </a:rPr>
-              <a:t>Successfully</a:t>
-            </a:r>
-            <a:r>
-              <a:rPr lang="en" sz="1000">
-                <a:solidFill>
-                  <a:srgbClr val="24292E"/>
-                </a:solidFill>
-                <a:latin typeface="Courier New"/>
-                <a:ea typeface="Courier New"/>
-                <a:cs typeface="Courier New"/>
-                <a:sym typeface="Courier New"/>
-              </a:rPr>
-              <a:t> rejected null hypothesis on </a:t>
-            </a:r>
-            <a:endParaRPr sz="1000">
-              <a:solidFill>
-                <a:srgbClr val="24292E"/>
-              </a:solidFill>
-              <a:latin typeface="Courier New"/>
-              <a:ea typeface="Courier New"/>
-              <a:cs typeface="Courier New"/>
-              <a:sym typeface="Courier New"/>
-            </a:endParaRPr>
-          </a:p>
-          <a:p>
-            <a:pPr indent="0" lvl="0" marL="0" rtl="0" algn="l">
-              <a:spcBef>
-                <a:spcPts val="0"/>
-              </a:spcBef>
-              <a:spcAft>
-                <a:spcPts val="0"/>
-              </a:spcAft>
-              <a:buNone/>
-            </a:pPr>
-            <a:r>
-              <a:rPr lang="en" sz="1000">
-                <a:solidFill>
-                  <a:srgbClr val="24292E"/>
-                </a:solidFill>
-                <a:latin typeface="Courier New"/>
-                <a:ea typeface="Courier New"/>
-                <a:cs typeface="Courier New"/>
-                <a:sym typeface="Courier New"/>
-              </a:rPr>
-              <a:t> </a:t>
-            </a:r>
-            <a:r>
-              <a:rPr b="1" lang="en" sz="1000">
-                <a:solidFill>
-                  <a:srgbClr val="24292E"/>
-                </a:solidFill>
-                <a:latin typeface="Courier New"/>
-                <a:ea typeface="Courier New"/>
-                <a:cs typeface="Courier New"/>
-                <a:sym typeface="Courier New"/>
-              </a:rPr>
-              <a:t>[valence vs danceability] : p = 0.0</a:t>
-            </a:r>
-            <a:endParaRPr b="1" sz="1000">
-              <a:solidFill>
-                <a:srgbClr val="24292E"/>
-              </a:solidFill>
-              <a:latin typeface="Courier New"/>
-              <a:ea typeface="Courier New"/>
-              <a:cs typeface="Courier New"/>
-              <a:sym typeface="Courier New"/>
-            </a:endParaRPr>
-          </a:p>
-          <a:p>
-            <a:pPr indent="0" lvl="0" marL="0" rtl="0" algn="l">
-              <a:spcBef>
-                <a:spcPts val="0"/>
-              </a:spcBef>
-              <a:spcAft>
-                <a:spcPts val="0"/>
-              </a:spcAft>
-              <a:buNone/>
-            </a:pPr>
-            <a:r>
-              <a:t/>
-            </a:r>
-            <a:endParaRPr sz="1000">
-              <a:solidFill>
-                <a:srgbClr val="24292E"/>
-              </a:solidFill>
-              <a:latin typeface="Courier New"/>
-              <a:ea typeface="Courier New"/>
-              <a:cs typeface="Courier New"/>
-              <a:sym typeface="Courier New"/>
-            </a:endParaRPr>
-          </a:p>
-          <a:p>
-            <a:pPr indent="0" lvl="0" marL="0" rtl="0" algn="l">
-              <a:spcBef>
-                <a:spcPts val="0"/>
-              </a:spcBef>
-              <a:spcAft>
-                <a:spcPts val="0"/>
-              </a:spcAft>
-              <a:buNone/>
-            </a:pPr>
-            <a:r>
-              <a:rPr lang="en" sz="1000">
-                <a:solidFill>
-                  <a:srgbClr val="24292E"/>
-                </a:solidFill>
-                <a:highlight>
-                  <a:srgbClr val="E06666"/>
-                </a:highlight>
-                <a:latin typeface="Courier New"/>
-                <a:ea typeface="Courier New"/>
-                <a:cs typeface="Courier New"/>
-                <a:sym typeface="Courier New"/>
-              </a:rPr>
-              <a:t>Failed</a:t>
-            </a:r>
-            <a:r>
-              <a:rPr lang="en" sz="1000">
-                <a:solidFill>
-                  <a:srgbClr val="24292E"/>
-                </a:solidFill>
-                <a:latin typeface="Courier New"/>
-                <a:ea typeface="Courier New"/>
-                <a:cs typeface="Courier New"/>
-                <a:sym typeface="Courier New"/>
-              </a:rPr>
-              <a:t> to reject null hypothesis on </a:t>
-            </a:r>
-            <a:endParaRPr sz="1000">
-              <a:solidFill>
-                <a:srgbClr val="24292E"/>
-              </a:solidFill>
-              <a:latin typeface="Courier New"/>
-              <a:ea typeface="Courier New"/>
-              <a:cs typeface="Courier New"/>
-              <a:sym typeface="Courier New"/>
-            </a:endParaRPr>
-          </a:p>
-          <a:p>
-            <a:pPr indent="0" lvl="0" marL="0" rtl="0" algn="l">
-              <a:spcBef>
-                <a:spcPts val="0"/>
-              </a:spcBef>
-              <a:spcAft>
-                <a:spcPts val="0"/>
-              </a:spcAft>
-              <a:buNone/>
-            </a:pPr>
-            <a:r>
-              <a:rPr lang="en" sz="1000">
-                <a:solidFill>
-                  <a:srgbClr val="24292E"/>
-                </a:solidFill>
-                <a:latin typeface="Courier New"/>
-                <a:ea typeface="Courier New"/>
-                <a:cs typeface="Courier New"/>
-                <a:sym typeface="Courier New"/>
-              </a:rPr>
-              <a:t> </a:t>
-            </a:r>
-            <a:r>
-              <a:rPr b="1" lang="en" sz="1000">
-                <a:solidFill>
-                  <a:srgbClr val="24292E"/>
-                </a:solidFill>
-                <a:latin typeface="Courier New"/>
-                <a:ea typeface="Courier New"/>
-                <a:cs typeface="Courier New"/>
-                <a:sym typeface="Courier New"/>
-              </a:rPr>
-              <a:t>[danceability vs energy] : p = 0.8525</a:t>
-            </a:r>
-            <a:endParaRPr b="1" sz="1000">
-              <a:solidFill>
-                <a:srgbClr val="24292E"/>
-              </a:solidFill>
-              <a:latin typeface="Courier New"/>
-              <a:ea typeface="Courier New"/>
-              <a:cs typeface="Courier New"/>
-              <a:sym typeface="Courier New"/>
-            </a:endParaRPr>
-          </a:p>
-          <a:p>
-            <a:pPr indent="0" lvl="0" marL="0" rtl="0" algn="l">
-              <a:spcBef>
-                <a:spcPts val="0"/>
-              </a:spcBef>
-              <a:spcAft>
-                <a:spcPts val="0"/>
-              </a:spcAft>
-              <a:buNone/>
-            </a:pPr>
-            <a:r>
-              <a:t/>
-            </a:r>
-            <a:endParaRPr sz="1000">
-              <a:solidFill>
-                <a:srgbClr val="24292E"/>
-              </a:solidFill>
-              <a:latin typeface="Courier New"/>
-              <a:ea typeface="Courier New"/>
-              <a:cs typeface="Courier New"/>
-              <a:sym typeface="Courier New"/>
-            </a:endParaRPr>
-          </a:p>
-          <a:p>
-            <a:pPr indent="0" lvl="0" marL="0" rtl="0" algn="l">
-              <a:spcBef>
-                <a:spcPts val="0"/>
-              </a:spcBef>
-              <a:spcAft>
-                <a:spcPts val="0"/>
-              </a:spcAft>
-              <a:buNone/>
-            </a:pPr>
-            <a:r>
-              <a:rPr lang="en" sz="1000">
-                <a:solidFill>
-                  <a:srgbClr val="24292E"/>
-                </a:solidFill>
-                <a:highlight>
-                  <a:srgbClr val="00FF00"/>
-                </a:highlight>
-                <a:latin typeface="Courier New"/>
-                <a:ea typeface="Courier New"/>
-                <a:cs typeface="Courier New"/>
-                <a:sym typeface="Courier New"/>
-              </a:rPr>
-              <a:t>Successfully</a:t>
-            </a:r>
-            <a:r>
-              <a:rPr lang="en" sz="1000">
-                <a:solidFill>
-                  <a:srgbClr val="24292E"/>
-                </a:solidFill>
-                <a:latin typeface="Courier New"/>
-                <a:ea typeface="Courier New"/>
-                <a:cs typeface="Courier New"/>
-                <a:sym typeface="Courier New"/>
-              </a:rPr>
-              <a:t> rejected null hypothesis on </a:t>
-            </a:r>
-            <a:endParaRPr sz="1000">
-              <a:solidFill>
-                <a:srgbClr val="24292E"/>
-              </a:solidFill>
-              <a:latin typeface="Courier New"/>
-              <a:ea typeface="Courier New"/>
-              <a:cs typeface="Courier New"/>
-              <a:sym typeface="Courier New"/>
-            </a:endParaRPr>
-          </a:p>
-          <a:p>
-            <a:pPr indent="0" lvl="0" marL="152400" marR="152400" rtl="0" algn="l">
-              <a:lnSpc>
-                <a:spcPct val="145000"/>
-              </a:lnSpc>
-              <a:spcBef>
-                <a:spcPts val="0"/>
-              </a:spcBef>
-              <a:spcAft>
-                <a:spcPts val="0"/>
-              </a:spcAft>
-              <a:buNone/>
-            </a:pPr>
-            <a:r>
-              <a:rPr lang="en" sz="1000">
-                <a:solidFill>
-                  <a:srgbClr val="24292E"/>
-                </a:solidFill>
-                <a:latin typeface="Courier New"/>
-                <a:ea typeface="Courier New"/>
-                <a:cs typeface="Courier New"/>
-                <a:sym typeface="Courier New"/>
-              </a:rPr>
-              <a:t> </a:t>
-            </a:r>
-            <a:r>
-              <a:rPr b="1" lang="en" sz="1000">
-                <a:solidFill>
-                  <a:srgbClr val="24292E"/>
-                </a:solidFill>
-                <a:latin typeface="Courier New"/>
-                <a:ea typeface="Courier New"/>
-                <a:cs typeface="Courier New"/>
-                <a:sym typeface="Courier New"/>
-              </a:rPr>
-              <a:t>[energy vs valence] : p = 0.0069</a:t>
-            </a:r>
-            <a:endParaRPr b="1" sz="1000">
-              <a:solidFill>
-                <a:srgbClr val="24292E"/>
-              </a:solidFill>
-              <a:latin typeface="Courier New"/>
-              <a:ea typeface="Courier New"/>
-              <a:cs typeface="Courier New"/>
-              <a:sym typeface="Courier New"/>
-            </a:endParaRPr>
-          </a:p>
-        </p:txBody>
-      </p:sp>
-      <p:pic>
-        <p:nvPicPr>
-          <p:cNvPr id="112" name="Google Shape;112;p20"/>
-          <p:cNvPicPr preferRelativeResize="0"/>
-          <p:nvPr/>
-        </p:nvPicPr>
-        <p:blipFill rotWithShape="1">
-          <a:blip r:embed="rId4">
-            <a:alphaModFix/>
-          </a:blip>
-          <a:srcRect b="21606" l="0" r="0" t="32374"/>
-          <a:stretch/>
-        </p:blipFill>
-        <p:spPr>
-          <a:xfrm>
-            <a:off x="6565525" y="25"/>
-            <a:ext cx="2613750" cy="1517150"/>
-          </a:xfrm>
-          <a:prstGeom prst="rect">
-            <a:avLst/>
-          </a:prstGeom>
-          <a:noFill/>
-          <a:ln>
-            <a:noFill/>
-          </a:ln>
-        </p:spPr>
-      </p:pic>
-      <p:pic>
-        <p:nvPicPr>
-          <p:cNvPr id="113" name="Google Shape;113;p20"/>
-          <p:cNvPicPr preferRelativeResize="0"/>
-          <p:nvPr/>
-        </p:nvPicPr>
-        <p:blipFill rotWithShape="1">
-          <a:blip r:embed="rId5">
-            <a:alphaModFix/>
-          </a:blip>
-          <a:srcRect b="66504" l="8054" r="13130" t="0"/>
-          <a:stretch/>
-        </p:blipFill>
-        <p:spPr>
-          <a:xfrm>
-            <a:off x="4572000" y="73225"/>
-            <a:ext cx="2557100" cy="1370775"/>
-          </a:xfrm>
-          <a:prstGeom prst="rect">
-            <a:avLst/>
-          </a:prstGeom>
-          <a:noFill/>
-          <a:ln>
-            <a:noFill/>
-          </a:ln>
-        </p:spPr>
-      </p:pic>
-    </p:spTree>
-  </p:cSld>
-  <p:clrMapOvr>
-    <a:masterClrMapping/>
-  </p:clrMapOvr>
-</p:sld>
-</file>
-
-<file path=ppt/slides/slide9.xml><?xml version="1.0" encoding="utf-8"?>
-<p:sld xmlns:a="http://schemas.openxmlformats.org/drawingml/2006/main" xmlns:r="http://schemas.openxmlformats.org/officeDocument/2006/relationships" xmlns:mc="http://schemas.openxmlformats.org/markup-compatibility/2006" xmlns:mv="urn:schemas-microsoft-com:mac:vml" xmlns:p="http://schemas.openxmlformats.org/presentationml/2006/main" xmlns:c="http://schemas.openxmlformats.org/drawingml/2006/chart" xmlns:dgm="http://schemas.openxmlformats.org/drawingml/2006/diagram" xmlns:o="urn:schemas-microsoft-com:office:office" xmlns:v="urn:schemas-microsoft-com:vml" xmlns:pvml="urn:schemas-microsoft-com:office:powerpoint" xmlns:com="http://schemas.openxmlformats.org/drawingml/2006/compatibility" xmlns:p14="http://schemas.microsoft.com/office/powerpoint/2010/main" xmlns:p15="http://schemas.microsoft.com/office/powerpoint/2012/main" xmlns:ahyp="http://schemas.microsoft.com/office/drawing/2018/hyperlinkcolor">
-  <p:cSld>
-    <p:spTree>
-      <p:nvGrpSpPr>
-        <p:cNvPr id="117" name="Shape 117"/>
-        <p:cNvGrpSpPr/>
-        <p:nvPr/>
-      </p:nvGrpSpPr>
-      <p:grpSpPr>
-        <a:xfrm>
-          <a:off x="0" y="0"/>
-          <a:ext cx="0" cy="0"/>
-          <a:chOff x="0" y="0"/>
-          <a:chExt cx="0" cy="0"/>
-        </a:xfrm>
-      </p:grpSpPr>
-      <p:sp>
-        <p:nvSpPr>
-          <p:cNvPr id="118" name="Google Shape;118;p21"/>
-          <p:cNvSpPr txBox="1"/>
-          <p:nvPr>
-            <p:ph type="title"/>
-          </p:nvPr>
-        </p:nvSpPr>
-        <p:spPr>
-          <a:xfrm>
-            <a:off x="265500" y="1081400"/>
-            <a:ext cx="4045200" cy="1710300"/>
-          </a:xfrm>
-          <a:prstGeom prst="rect">
-            <a:avLst/>
-          </a:prstGeom>
-        </p:spPr>
-        <p:txBody>
-          <a:bodyPr anchorCtr="0" anchor="b" bIns="91425" lIns="91425" spcFirstLastPara="1" rIns="91425" wrap="square" tIns="91425">
+          <a:bodyPr anchorCtr="0" anchor="ctr" bIns="91425" lIns="91425" spcFirstLastPara="1" rIns="91425" wrap="square" tIns="91425">
             <a:noAutofit/>
           </a:bodyPr>
           <a:lstStyle/>
@@ -8837,317 +10346,9 @@
             </a:pPr>
             <a:r>
               <a:rPr lang="en"/>
-              <a:t>Links</a:t>
+              <a:t>Hypotheses</a:t>
             </a:r>
             <a:endParaRPr/>
-          </a:p>
-        </p:txBody>
-      </p:sp>
-      <p:sp>
-        <p:nvSpPr>
-          <p:cNvPr id="119" name="Google Shape;119;p21"/>
-          <p:cNvSpPr txBox="1"/>
-          <p:nvPr/>
-        </p:nvSpPr>
-        <p:spPr>
-          <a:xfrm>
-            <a:off x="5389000" y="461050"/>
-            <a:ext cx="2958000" cy="3628500"/>
-          </a:xfrm>
-          <a:prstGeom prst="rect">
-            <a:avLst/>
-          </a:prstGeom>
-          <a:noFill/>
-          <a:ln>
-            <a:noFill/>
-          </a:ln>
-        </p:spPr>
-        <p:txBody>
-          <a:bodyPr anchorCtr="0" anchor="t" bIns="91425" lIns="91425" spcFirstLastPara="1" rIns="91425" wrap="square" tIns="91425">
-            <a:noAutofit/>
-          </a:bodyPr>
-          <a:lstStyle/>
-          <a:p>
-            <a:pPr indent="0" lvl="0" marL="0" rtl="0" algn="l">
-              <a:spcBef>
-                <a:spcPts val="0"/>
-              </a:spcBef>
-              <a:spcAft>
-                <a:spcPts val="0"/>
-              </a:spcAft>
-              <a:buNone/>
-            </a:pPr>
-            <a:r>
-              <a:rPr lang="en">
-                <a:latin typeface="Average"/>
-                <a:ea typeface="Average"/>
-                <a:cs typeface="Average"/>
-                <a:sym typeface="Average"/>
-              </a:rPr>
-              <a:t>Project Repo:</a:t>
-            </a:r>
-            <a:endParaRPr>
-              <a:latin typeface="Average"/>
-              <a:ea typeface="Average"/>
-              <a:cs typeface="Average"/>
-              <a:sym typeface="Average"/>
-            </a:endParaRPr>
-          </a:p>
-          <a:p>
-            <a:pPr indent="-279400" lvl="0" marL="457200" rtl="0" algn="l">
-              <a:spcBef>
-                <a:spcPts val="0"/>
-              </a:spcBef>
-              <a:spcAft>
-                <a:spcPts val="0"/>
-              </a:spcAft>
-              <a:buSzPts val="800"/>
-              <a:buFont typeface="Average"/>
-              <a:buChar char="●"/>
-            </a:pPr>
-            <a:r>
-              <a:rPr lang="en" sz="800">
-                <a:latin typeface="Average"/>
-                <a:ea typeface="Average"/>
-                <a:cs typeface="Average"/>
-                <a:sym typeface="Average"/>
-              </a:rPr>
-              <a:t>github.com/zackmagnotti/tin-pan-data</a:t>
-            </a:r>
-            <a:endParaRPr sz="800">
-              <a:latin typeface="Average"/>
-              <a:ea typeface="Average"/>
-              <a:cs typeface="Average"/>
-              <a:sym typeface="Average"/>
-            </a:endParaRPr>
-          </a:p>
-          <a:p>
-            <a:pPr indent="0" lvl="0" marL="0" rtl="0" algn="l">
-              <a:spcBef>
-                <a:spcPts val="0"/>
-              </a:spcBef>
-              <a:spcAft>
-                <a:spcPts val="0"/>
-              </a:spcAft>
-              <a:buNone/>
-            </a:pPr>
-            <a:r>
-              <a:t/>
-            </a:r>
-            <a:endParaRPr>
-              <a:latin typeface="Average"/>
-              <a:ea typeface="Average"/>
-              <a:cs typeface="Average"/>
-              <a:sym typeface="Average"/>
-            </a:endParaRPr>
-          </a:p>
-          <a:p>
-            <a:pPr indent="0" lvl="0" marL="0" rtl="0" algn="l">
-              <a:spcBef>
-                <a:spcPts val="0"/>
-              </a:spcBef>
-              <a:spcAft>
-                <a:spcPts val="0"/>
-              </a:spcAft>
-              <a:buNone/>
-            </a:pPr>
-            <a:r>
-              <a:t/>
-            </a:r>
-            <a:endParaRPr>
-              <a:latin typeface="Average"/>
-              <a:ea typeface="Average"/>
-              <a:cs typeface="Average"/>
-              <a:sym typeface="Average"/>
-            </a:endParaRPr>
-          </a:p>
-          <a:p>
-            <a:pPr indent="0" lvl="0" marL="0" rtl="0" algn="l">
-              <a:spcBef>
-                <a:spcPts val="0"/>
-              </a:spcBef>
-              <a:spcAft>
-                <a:spcPts val="0"/>
-              </a:spcAft>
-              <a:buNone/>
-            </a:pPr>
-            <a:r>
-              <a:t/>
-            </a:r>
-            <a:endParaRPr>
-              <a:latin typeface="Average"/>
-              <a:ea typeface="Average"/>
-              <a:cs typeface="Average"/>
-              <a:sym typeface="Average"/>
-            </a:endParaRPr>
-          </a:p>
-          <a:p>
-            <a:pPr indent="0" lvl="0" marL="0" rtl="0" algn="l">
-              <a:spcBef>
-                <a:spcPts val="0"/>
-              </a:spcBef>
-              <a:spcAft>
-                <a:spcPts val="0"/>
-              </a:spcAft>
-              <a:buNone/>
-            </a:pPr>
-            <a:r>
-              <a:rPr lang="en">
-                <a:latin typeface="Average"/>
-                <a:ea typeface="Average"/>
-                <a:cs typeface="Average"/>
-                <a:sym typeface="Average"/>
-              </a:rPr>
-              <a:t>Data Source:</a:t>
-            </a:r>
-            <a:endParaRPr>
-              <a:latin typeface="Average"/>
-              <a:ea typeface="Average"/>
-              <a:cs typeface="Average"/>
-              <a:sym typeface="Average"/>
-            </a:endParaRPr>
-          </a:p>
-          <a:p>
-            <a:pPr indent="-279400" lvl="0" marL="457200" rtl="0" algn="l">
-              <a:spcBef>
-                <a:spcPts val="0"/>
-              </a:spcBef>
-              <a:spcAft>
-                <a:spcPts val="0"/>
-              </a:spcAft>
-              <a:buSzPts val="800"/>
-              <a:buFont typeface="Average"/>
-              <a:buChar char="●"/>
-            </a:pPr>
-            <a:r>
-              <a:rPr lang="en" sz="800">
-                <a:latin typeface="Average"/>
-                <a:ea typeface="Average"/>
-                <a:cs typeface="Average"/>
-                <a:sym typeface="Average"/>
-              </a:rPr>
-              <a:t>components.one/datasets/billboard-200</a:t>
-            </a:r>
-            <a:endParaRPr>
-              <a:latin typeface="Average"/>
-              <a:ea typeface="Average"/>
-              <a:cs typeface="Average"/>
-              <a:sym typeface="Average"/>
-            </a:endParaRPr>
-          </a:p>
-          <a:p>
-            <a:pPr indent="0" lvl="0" marL="0" rtl="0" algn="l">
-              <a:spcBef>
-                <a:spcPts val="0"/>
-              </a:spcBef>
-              <a:spcAft>
-                <a:spcPts val="0"/>
-              </a:spcAft>
-              <a:buNone/>
-            </a:pPr>
-            <a:r>
-              <a:t/>
-            </a:r>
-            <a:endParaRPr>
-              <a:latin typeface="Average"/>
-              <a:ea typeface="Average"/>
-              <a:cs typeface="Average"/>
-              <a:sym typeface="Average"/>
-            </a:endParaRPr>
-          </a:p>
-          <a:p>
-            <a:pPr indent="0" lvl="0" marL="0" rtl="0" algn="l">
-              <a:spcBef>
-                <a:spcPts val="0"/>
-              </a:spcBef>
-              <a:spcAft>
-                <a:spcPts val="0"/>
-              </a:spcAft>
-              <a:buNone/>
-            </a:pPr>
-            <a:r>
-              <a:t/>
-            </a:r>
-            <a:endParaRPr>
-              <a:latin typeface="Average"/>
-              <a:ea typeface="Average"/>
-              <a:cs typeface="Average"/>
-              <a:sym typeface="Average"/>
-            </a:endParaRPr>
-          </a:p>
-          <a:p>
-            <a:pPr indent="0" lvl="0" marL="0" rtl="0" algn="l">
-              <a:spcBef>
-                <a:spcPts val="0"/>
-              </a:spcBef>
-              <a:spcAft>
-                <a:spcPts val="0"/>
-              </a:spcAft>
-              <a:buNone/>
-            </a:pPr>
-            <a:r>
-              <a:t/>
-            </a:r>
-            <a:endParaRPr>
-              <a:latin typeface="Average"/>
-              <a:ea typeface="Average"/>
-              <a:cs typeface="Average"/>
-              <a:sym typeface="Average"/>
-            </a:endParaRPr>
-          </a:p>
-          <a:p>
-            <a:pPr indent="0" lvl="0" marL="0" rtl="0" algn="l">
-              <a:spcBef>
-                <a:spcPts val="0"/>
-              </a:spcBef>
-              <a:spcAft>
-                <a:spcPts val="0"/>
-              </a:spcAft>
-              <a:buNone/>
-            </a:pPr>
-            <a:r>
-              <a:rPr lang="en">
-                <a:latin typeface="Average"/>
-                <a:ea typeface="Average"/>
-                <a:cs typeface="Average"/>
-                <a:sym typeface="Average"/>
-              </a:rPr>
-              <a:t>List of Albums by Kenny G:</a:t>
-            </a:r>
-            <a:endParaRPr>
-              <a:latin typeface="Average"/>
-              <a:ea typeface="Average"/>
-              <a:cs typeface="Average"/>
-              <a:sym typeface="Average"/>
-            </a:endParaRPr>
-          </a:p>
-          <a:p>
-            <a:pPr indent="-279400" lvl="0" marL="457200" rtl="0" algn="l">
-              <a:spcBef>
-                <a:spcPts val="0"/>
-              </a:spcBef>
-              <a:spcAft>
-                <a:spcPts val="0"/>
-              </a:spcAft>
-              <a:buSzPts val="800"/>
-              <a:buFont typeface="Average"/>
-              <a:buChar char="●"/>
-            </a:pPr>
-            <a:r>
-              <a:rPr lang="en" sz="800">
-                <a:latin typeface="Average"/>
-                <a:ea typeface="Average"/>
-                <a:cs typeface="Average"/>
-                <a:sym typeface="Average"/>
-              </a:rPr>
-              <a:t>wikipedia.org/wiki/Kenny_G_discography</a:t>
-            </a:r>
-            <a:endParaRPr>
-              <a:latin typeface="Average"/>
-              <a:ea typeface="Average"/>
-              <a:cs typeface="Average"/>
-              <a:sym typeface="Average"/>
-            </a:endParaRPr>
           </a:p>
         </p:txBody>
       </p:sp>

--- a/docs/presentation.pptx
+++ b/docs/presentation.pptx
@@ -7683,7 +7683,7 @@
               <a:t> </a:t>
             </a:r>
             <a:r>
-              <a:rPr b="1" lang="en" sz="1000">
+              <a:rPr lang="en" sz="1000">
                 <a:solidFill>
                   <a:srgbClr val="24292E"/>
                 </a:solidFill>
@@ -7692,7 +7692,30 @@
                 <a:cs typeface="Courier New"/>
                 <a:sym typeface="Courier New"/>
               </a:rPr>
-              <a:t>p = 0.014</a:t>
+              <a:t>p = 0.008</a:t>
+            </a:r>
+            <a:endParaRPr sz="1000">
+              <a:solidFill>
+                <a:srgbClr val="24292E"/>
+              </a:solidFill>
+              <a:latin typeface="Courier New"/>
+              <a:ea typeface="Courier New"/>
+              <a:cs typeface="Courier New"/>
+              <a:sym typeface="Courier New"/>
+            </a:endParaRPr>
+          </a:p>
+          <a:p>
+            <a:pPr indent="0" lvl="0" marL="0" rtl="0" algn="l">
+              <a:spcBef>
+                <a:spcPts val="0"/>
+              </a:spcBef>
+              <a:spcAft>
+                <a:spcPts val="0"/>
+              </a:spcAft>
+              <a:buNone/>
+            </a:pPr>
+            <a:r>
+              <a:t/>
             </a:r>
             <a:endParaRPr b="1" sz="1000">
               <a:solidFill>
@@ -8187,7 +8210,19 @@
                 <a:cs typeface="Courier New"/>
                 <a:sym typeface="Courier New"/>
               </a:rPr>
-              <a:t>[valence vs danceability] : p = 0.0</a:t>
+              <a:t>[valence vs danceability] : </a:t>
+            </a:r>
+            <a:r>
+              <a:rPr lang="en" sz="1000">
+                <a:solidFill>
+                  <a:srgbClr val="24292E"/>
+                </a:solidFill>
+                <a:latin typeface="Courier New"/>
+                <a:ea typeface="Courier New"/>
+                <a:cs typeface="Courier New"/>
+                <a:sym typeface="Courier New"/>
+              </a:rPr>
+              <a:t>p = 5.75e-14</a:t>
             </a:r>
             <a:endParaRPr b="1" sz="1000">
               <a:solidFill>
@@ -8301,12 +8336,27 @@
                 <a:cs typeface="Courier New"/>
                 <a:sym typeface="Courier New"/>
               </a:rPr>
-              <a:t>[danceability vs energy] : p = 0.8525</a:t>
+              <a:t>[danceability vs energy]</a:t>
+            </a:r>
+            <a:r>
+              <a:rPr b="1" lang="en" sz="1000">
+                <a:latin typeface="Courier New"/>
+                <a:ea typeface="Courier New"/>
+                <a:cs typeface="Courier New"/>
+                <a:sym typeface="Courier New"/>
+              </a:rPr>
+              <a:t> : </a:t>
+            </a:r>
+            <a:r>
+              <a:rPr lang="en" sz="1000">
+                <a:latin typeface="Courier New"/>
+                <a:ea typeface="Courier New"/>
+                <a:cs typeface="Courier New"/>
+                <a:sym typeface="Courier New"/>
+              </a:rPr>
+              <a:t>p = 0.87</a:t>
             </a:r>
             <a:endParaRPr b="1" sz="1000">
-              <a:solidFill>
-                <a:srgbClr val="24292E"/>
-              </a:solidFill>
               <a:latin typeface="Courier New"/>
               <a:ea typeface="Courier New"/>
               <a:cs typeface="Courier New"/>
@@ -8418,7 +8468,19 @@
                 <a:cs typeface="Courier New"/>
                 <a:sym typeface="Courier New"/>
               </a:rPr>
-              <a:t>[energy vs valence] : p = 0.0069</a:t>
+              <a:t>[energy vs valence] : </a:t>
+            </a:r>
+            <a:r>
+              <a:rPr lang="en" sz="1000">
+                <a:solidFill>
+                  <a:srgbClr val="24292E"/>
+                </a:solidFill>
+                <a:latin typeface="Courier New"/>
+                <a:ea typeface="Courier New"/>
+                <a:cs typeface="Courier New"/>
+                <a:sym typeface="Courier New"/>
+              </a:rPr>
+              <a:t>p = 2.09e-08</a:t>
             </a:r>
             <a:endParaRPr b="1" sz="1000">
               <a:solidFill>
@@ -10213,13 +10275,12 @@
           <p:cNvPicPr preferRelativeResize="0"/>
           <p:nvPr/>
         </p:nvPicPr>
-        <p:blipFill>
+        <p:blipFill rotWithShape="1">
           <a:blip r:embed="rId3">
             <a:alphaModFix/>
           </a:blip>
-          <a:stretch>
-            <a:fillRect/>
-          </a:stretch>
+          <a:srcRect b="0" l="0" r="0" t="0"/>
+          <a:stretch/>
         </p:blipFill>
         <p:spPr>
           <a:xfrm>
@@ -10270,7 +10331,7 @@
           <a:blip r:embed="rId3">
             <a:alphaModFix/>
           </a:blip>
-          <a:srcRect b="-870" l="0" r="0" t="870"/>
+          <a:srcRect b="0" l="0" r="0" t="0"/>
           <a:stretch/>
         </p:blipFill>
         <p:spPr>
